--- a/VMWare - II.pptx
+++ b/VMWare - II.pptx
@@ -5,10 +5,10 @@
     <p:sldMasterId id="2147493455" r:id="rId4"/>
   </p:sldMasterIdLst>
   <p:notesMasterIdLst>
-    <p:notesMasterId r:id="rId27"/>
+    <p:notesMasterId r:id="rId37"/>
   </p:notesMasterIdLst>
   <p:handoutMasterIdLst>
-    <p:handoutMasterId r:id="rId28"/>
+    <p:handoutMasterId r:id="rId38"/>
   </p:handoutMasterIdLst>
   <p:sldIdLst>
     <p:sldId id="256" r:id="rId5"/>
@@ -33,6 +33,16 @@
     <p:sldId id="429" r:id="rId24"/>
     <p:sldId id="430" r:id="rId25"/>
     <p:sldId id="431" r:id="rId26"/>
+    <p:sldId id="432" r:id="rId27"/>
+    <p:sldId id="433" r:id="rId28"/>
+    <p:sldId id="434" r:id="rId29"/>
+    <p:sldId id="435" r:id="rId30"/>
+    <p:sldId id="436" r:id="rId31"/>
+    <p:sldId id="437" r:id="rId32"/>
+    <p:sldId id="438" r:id="rId33"/>
+    <p:sldId id="439" r:id="rId34"/>
+    <p:sldId id="440" r:id="rId35"/>
+    <p:sldId id="441" r:id="rId36"/>
   </p:sldIdLst>
   <p:sldSz cx="9144000" cy="5143500" type="screen16x9"/>
   <p:notesSz cx="6858000" cy="9144000"/>
@@ -396,7 +406,7 @@
           </a:prstGeom>
           <a:extLst>
             <a:ext uri="{FAA26D3D-D897-4be2-8F04-BA451C77F1D7}">
-              <ma14:placeholderFlag xmlns="" xmlns:ma14="http://schemas.microsoft.com/office/mac/drawingml/2011/main"/>
+              <ma14:placeholderFlag xmlns:ma14="http://schemas.microsoft.com/office/mac/drawingml/2011/main" xmlns=""/>
             </a:ext>
           </a:extLst>
         </p:spPr>
@@ -967,7 +977,7 @@
           </a:prstGeom>
           <a:extLst>
             <a:ext uri="{FAA26D3D-D897-4be2-8F04-BA451C77F1D7}">
-              <ma14:placeholderFlag xmlns="" xmlns:ma14="http://schemas.microsoft.com/office/mac/drawingml/2011/main"/>
+              <ma14:placeholderFlag xmlns:ma14="http://schemas.microsoft.com/office/mac/drawingml/2011/main" xmlns=""/>
             </a:ext>
           </a:extLst>
         </p:spPr>
@@ -7514,6 +7524,1869 @@
 </p:sld>
 </file>
 
+<file path=ppt/slides/slide23.xml><?xml version="1.0" encoding="utf-8"?>
+<p:sld xmlns:a="http://schemas.openxmlformats.org/drawingml/2006/main" xmlns:r="http://schemas.openxmlformats.org/officeDocument/2006/relationships" xmlns:p="http://schemas.openxmlformats.org/presentationml/2006/main">
+  <p:cSld>
+    <p:bg>
+      <p:bgPr>
+        <a:blipFill rotWithShape="1">
+          <a:blip r:embed="rId2"/>
+          <a:stretch>
+            <a:fillRect/>
+          </a:stretch>
+        </a:blipFill>
+        <a:effectLst/>
+      </p:bgPr>
+    </p:bg>
+    <p:spTree>
+      <p:nvGrpSpPr>
+        <p:cNvPr id="1" name=""/>
+        <p:cNvGrpSpPr/>
+        <p:nvPr/>
+      </p:nvGrpSpPr>
+      <p:grpSpPr>
+        <a:xfrm>
+          <a:off x="0" y="0"/>
+          <a:ext cx="0" cy="0"/>
+          <a:chOff x="0" y="0"/>
+          <a:chExt cx="0" cy="0"/>
+        </a:xfrm>
+      </p:grpSpPr>
+      <p:sp>
+        <p:nvSpPr>
+          <p:cNvPr id="4" name="CuadroTexto 3">
+            <a:extLst>
+              <a:ext uri="{FF2B5EF4-FFF2-40B4-BE49-F238E27FC236}">
+                <a16:creationId xmlns:a16="http://schemas.microsoft.com/office/drawing/2014/main" id="{22969A7C-AD75-42B9-8681-50349BF7A6A5}"/>
+              </a:ext>
+            </a:extLst>
+          </p:cNvPr>
+          <p:cNvSpPr txBox="1"/>
+          <p:nvPr/>
+        </p:nvSpPr>
+        <p:spPr>
+          <a:xfrm>
+            <a:off x="3553690" y="498764"/>
+            <a:ext cx="5590309" cy="400110"/>
+          </a:xfrm>
+          <a:prstGeom prst="rect">
+            <a:avLst/>
+          </a:prstGeom>
+          <a:noFill/>
+        </p:spPr>
+        <p:txBody>
+          <a:bodyPr wrap="square" rtlCol="0">
+            <a:spAutoFit/>
+          </a:bodyPr>
+          <a:lstStyle/>
+          <a:p>
+            <a:pPr algn="r"/>
+            <a:r>
+              <a:rPr lang="es-MX" sz="2000" dirty="0">
+                <a:latin typeface="Arial" panose="020B0604020202020204" pitchFamily="34" charset="0"/>
+                <a:cs typeface="Arial" panose="020B0604020202020204" pitchFamily="34" charset="0"/>
+              </a:rPr>
+              <a:t>Replicación de </a:t>
+            </a:r>
+            <a:r>
+              <a:rPr lang="es-MX" sz="2000" dirty="0" err="1">
+                <a:latin typeface="Arial" panose="020B0604020202020204" pitchFamily="34" charset="0"/>
+                <a:cs typeface="Arial" panose="020B0604020202020204" pitchFamily="34" charset="0"/>
+              </a:rPr>
+              <a:t>Vmware</a:t>
+            </a:r>
+            <a:r>
+              <a:rPr lang="es-MX" sz="2000" dirty="0">
+                <a:latin typeface="Arial" panose="020B0604020202020204" pitchFamily="34" charset="0"/>
+                <a:cs typeface="Arial" panose="020B0604020202020204" pitchFamily="34" charset="0"/>
+              </a:rPr>
+              <a:t> NSX </a:t>
+            </a:r>
+            <a:r>
+              <a:rPr lang="es-MX" sz="2000" dirty="0" err="1">
+                <a:latin typeface="Arial" panose="020B0604020202020204" pitchFamily="34" charset="0"/>
+                <a:cs typeface="Arial" panose="020B0604020202020204" pitchFamily="34" charset="0"/>
+              </a:rPr>
+              <a:t>Controller</a:t>
+            </a:r>
+            <a:endParaRPr lang="es-MX" sz="2000" dirty="0">
+              <a:latin typeface="Arial" panose="020B0604020202020204" pitchFamily="34" charset="0"/>
+              <a:cs typeface="Arial" panose="020B0604020202020204" pitchFamily="34" charset="0"/>
+            </a:endParaRPr>
+          </a:p>
+        </p:txBody>
+      </p:sp>
+      <p:sp>
+        <p:nvSpPr>
+          <p:cNvPr id="5" name="CuadroTexto 4">
+            <a:extLst>
+              <a:ext uri="{FF2B5EF4-FFF2-40B4-BE49-F238E27FC236}">
+                <a16:creationId xmlns:a16="http://schemas.microsoft.com/office/drawing/2014/main" id="{996360A4-7287-4161-9B02-9963E1AB4B06}"/>
+              </a:ext>
+            </a:extLst>
+          </p:cNvPr>
+          <p:cNvSpPr txBox="1"/>
+          <p:nvPr/>
+        </p:nvSpPr>
+        <p:spPr>
+          <a:xfrm>
+            <a:off x="124690" y="1212273"/>
+            <a:ext cx="8902352" cy="1815882"/>
+          </a:xfrm>
+          <a:prstGeom prst="rect">
+            <a:avLst/>
+          </a:prstGeom>
+          <a:noFill/>
+        </p:spPr>
+        <p:txBody>
+          <a:bodyPr wrap="square" rtlCol="0">
+            <a:spAutoFit/>
+          </a:bodyPr>
+          <a:lstStyle/>
+          <a:p>
+            <a:pPr algn="just"/>
+            <a:r>
+              <a:rPr lang="es-MX" sz="1600" dirty="0">
+                <a:latin typeface="Arial" panose="020B0604020202020204" pitchFamily="34" charset="0"/>
+                <a:cs typeface="Arial" panose="020B0604020202020204" pitchFamily="34" charset="0"/>
+              </a:rPr>
+              <a:t>Cuando cree una zona de transporte o un conmutador lógico, debe seleccionar un modo de replicación. </a:t>
+            </a:r>
+          </a:p>
+          <a:p>
+            <a:pPr algn="just"/>
+            <a:endParaRPr lang="es-MX" sz="1600" dirty="0">
+              <a:latin typeface="Arial" panose="020B0604020202020204" pitchFamily="34" charset="0"/>
+              <a:cs typeface="Arial" panose="020B0604020202020204" pitchFamily="34" charset="0"/>
+            </a:endParaRPr>
+          </a:p>
+          <a:p>
+            <a:pPr algn="just"/>
+            <a:r>
+              <a:rPr lang="es-MX" sz="1600" dirty="0">
+                <a:latin typeface="Arial" panose="020B0604020202020204" pitchFamily="34" charset="0"/>
+                <a:cs typeface="Arial" panose="020B0604020202020204" pitchFamily="34" charset="0"/>
+              </a:rPr>
+              <a:t>Cada host </a:t>
+            </a:r>
+            <a:r>
+              <a:rPr lang="es-MX" sz="1600" dirty="0" err="1">
+                <a:latin typeface="Arial" panose="020B0604020202020204" pitchFamily="34" charset="0"/>
+                <a:cs typeface="Arial" panose="020B0604020202020204" pitchFamily="34" charset="0"/>
+              </a:rPr>
+              <a:t>ESXi</a:t>
+            </a:r>
+            <a:r>
+              <a:rPr lang="es-MX" sz="1600" dirty="0">
+                <a:latin typeface="Arial" panose="020B0604020202020204" pitchFamily="34" charset="0"/>
+                <a:cs typeface="Arial" panose="020B0604020202020204" pitchFamily="34" charset="0"/>
+              </a:rPr>
+              <a:t> preparado para NSX se configura con un </a:t>
+            </a:r>
+            <a:r>
+              <a:rPr lang="es-MX" sz="1600" dirty="0" err="1">
+                <a:latin typeface="Arial" panose="020B0604020202020204" pitchFamily="34" charset="0"/>
+                <a:cs typeface="Arial" panose="020B0604020202020204" pitchFamily="34" charset="0"/>
+              </a:rPr>
+              <a:t>endpoint</a:t>
+            </a:r>
+            <a:r>
+              <a:rPr lang="es-MX" sz="1600" dirty="0">
+                <a:latin typeface="Arial" panose="020B0604020202020204" pitchFamily="34" charset="0"/>
+                <a:cs typeface="Arial" panose="020B0604020202020204" pitchFamily="34" charset="0"/>
+              </a:rPr>
+              <a:t> de túnel VXLAN (VTEP). </a:t>
+            </a:r>
+          </a:p>
+          <a:p>
+            <a:pPr algn="just"/>
+            <a:endParaRPr lang="es-MX" sz="1600" dirty="0">
+              <a:latin typeface="Arial" panose="020B0604020202020204" pitchFamily="34" charset="0"/>
+              <a:cs typeface="Arial" panose="020B0604020202020204" pitchFamily="34" charset="0"/>
+            </a:endParaRPr>
+          </a:p>
+          <a:p>
+            <a:pPr algn="just"/>
+            <a:r>
+              <a:rPr lang="es-MX" sz="1600" dirty="0">
+                <a:latin typeface="Arial" panose="020B0604020202020204" pitchFamily="34" charset="0"/>
+                <a:cs typeface="Arial" panose="020B0604020202020204" pitchFamily="34" charset="0"/>
+              </a:rPr>
+              <a:t>Cada </a:t>
+            </a:r>
+            <a:r>
+              <a:rPr lang="es-MX" sz="1600" dirty="0" err="1">
+                <a:latin typeface="Arial" panose="020B0604020202020204" pitchFamily="34" charset="0"/>
+                <a:cs typeface="Arial" panose="020B0604020202020204" pitchFamily="34" charset="0"/>
+              </a:rPr>
+              <a:t>endpoint</a:t>
+            </a:r>
+            <a:r>
+              <a:rPr lang="es-MX" sz="1600" dirty="0">
+                <a:latin typeface="Arial" panose="020B0604020202020204" pitchFamily="34" charset="0"/>
+                <a:cs typeface="Arial" panose="020B0604020202020204" pitchFamily="34" charset="0"/>
+              </a:rPr>
+              <a:t> de túnel VXLAN tiene una dirección IP. Estas direcciones IP pueden estar en la misma subred o en subredes diferentes.</a:t>
+            </a:r>
+          </a:p>
+        </p:txBody>
+      </p:sp>
+    </p:spTree>
+    <p:extLst>
+      <p:ext uri="{BB962C8B-B14F-4D97-AF65-F5344CB8AC3E}">
+        <p14:creationId xmlns:p14="http://schemas.microsoft.com/office/powerpoint/2010/main" val="663559081"/>
+      </p:ext>
+    </p:extLst>
+  </p:cSld>
+  <p:clrMapOvr>
+    <a:masterClrMapping/>
+  </p:clrMapOvr>
+</p:sld>
+</file>
+
+<file path=ppt/slides/slide24.xml><?xml version="1.0" encoding="utf-8"?>
+<p:sld xmlns:a="http://schemas.openxmlformats.org/drawingml/2006/main" xmlns:r="http://schemas.openxmlformats.org/officeDocument/2006/relationships" xmlns:p="http://schemas.openxmlformats.org/presentationml/2006/main">
+  <p:cSld>
+    <p:bg>
+      <p:bgPr>
+        <a:blipFill rotWithShape="1">
+          <a:blip r:embed="rId2"/>
+          <a:stretch>
+            <a:fillRect/>
+          </a:stretch>
+        </a:blipFill>
+        <a:effectLst/>
+      </p:bgPr>
+    </p:bg>
+    <p:spTree>
+      <p:nvGrpSpPr>
+        <p:cNvPr id="1" name=""/>
+        <p:cNvGrpSpPr/>
+        <p:nvPr/>
+      </p:nvGrpSpPr>
+      <p:grpSpPr>
+        <a:xfrm>
+          <a:off x="0" y="0"/>
+          <a:ext cx="0" cy="0"/>
+          <a:chOff x="0" y="0"/>
+          <a:chExt cx="0" cy="0"/>
+        </a:xfrm>
+      </p:grpSpPr>
+      <p:sp>
+        <p:nvSpPr>
+          <p:cNvPr id="4" name="CuadroTexto 3">
+            <a:extLst>
+              <a:ext uri="{FF2B5EF4-FFF2-40B4-BE49-F238E27FC236}">
+                <a16:creationId xmlns:a16="http://schemas.microsoft.com/office/drawing/2014/main" id="{22969A7C-AD75-42B9-8681-50349BF7A6A5}"/>
+              </a:ext>
+            </a:extLst>
+          </p:cNvPr>
+          <p:cNvSpPr txBox="1"/>
+          <p:nvPr/>
+        </p:nvSpPr>
+        <p:spPr>
+          <a:xfrm>
+            <a:off x="3553690" y="498764"/>
+            <a:ext cx="5590309" cy="400110"/>
+          </a:xfrm>
+          <a:prstGeom prst="rect">
+            <a:avLst/>
+          </a:prstGeom>
+          <a:noFill/>
+        </p:spPr>
+        <p:txBody>
+          <a:bodyPr wrap="square" rtlCol="0">
+            <a:spAutoFit/>
+          </a:bodyPr>
+          <a:lstStyle/>
+          <a:p>
+            <a:pPr algn="r"/>
+            <a:r>
+              <a:rPr lang="es-MX" sz="2000" dirty="0">
+                <a:latin typeface="Arial" panose="020B0604020202020204" pitchFamily="34" charset="0"/>
+                <a:cs typeface="Arial" panose="020B0604020202020204" pitchFamily="34" charset="0"/>
+              </a:rPr>
+              <a:t>Replicación de </a:t>
+            </a:r>
+            <a:r>
+              <a:rPr lang="es-MX" sz="2000" dirty="0" err="1">
+                <a:latin typeface="Arial" panose="020B0604020202020204" pitchFamily="34" charset="0"/>
+                <a:cs typeface="Arial" panose="020B0604020202020204" pitchFamily="34" charset="0"/>
+              </a:rPr>
+              <a:t>Vmware</a:t>
+            </a:r>
+            <a:r>
+              <a:rPr lang="es-MX" sz="2000" dirty="0">
+                <a:latin typeface="Arial" panose="020B0604020202020204" pitchFamily="34" charset="0"/>
+                <a:cs typeface="Arial" panose="020B0604020202020204" pitchFamily="34" charset="0"/>
+              </a:rPr>
+              <a:t> NSX </a:t>
+            </a:r>
+            <a:r>
+              <a:rPr lang="es-MX" sz="2000" dirty="0" err="1">
+                <a:latin typeface="Arial" panose="020B0604020202020204" pitchFamily="34" charset="0"/>
+                <a:cs typeface="Arial" panose="020B0604020202020204" pitchFamily="34" charset="0"/>
+              </a:rPr>
+              <a:t>Controller</a:t>
+            </a:r>
+            <a:endParaRPr lang="es-MX" sz="2000" dirty="0">
+              <a:latin typeface="Arial" panose="020B0604020202020204" pitchFamily="34" charset="0"/>
+              <a:cs typeface="Arial" panose="020B0604020202020204" pitchFamily="34" charset="0"/>
+            </a:endParaRPr>
+          </a:p>
+        </p:txBody>
+      </p:sp>
+      <p:sp>
+        <p:nvSpPr>
+          <p:cNvPr id="5" name="CuadroTexto 4">
+            <a:extLst>
+              <a:ext uri="{FF2B5EF4-FFF2-40B4-BE49-F238E27FC236}">
+                <a16:creationId xmlns:a16="http://schemas.microsoft.com/office/drawing/2014/main" id="{996360A4-7287-4161-9B02-9963E1AB4B06}"/>
+              </a:ext>
+            </a:extLst>
+          </p:cNvPr>
+          <p:cNvSpPr txBox="1"/>
+          <p:nvPr/>
+        </p:nvSpPr>
+        <p:spPr>
+          <a:xfrm>
+            <a:off x="124690" y="1212273"/>
+            <a:ext cx="8902352" cy="2554545"/>
+          </a:xfrm>
+          <a:prstGeom prst="rect">
+            <a:avLst/>
+          </a:prstGeom>
+          <a:noFill/>
+        </p:spPr>
+        <p:txBody>
+          <a:bodyPr wrap="square" rtlCol="0">
+            <a:spAutoFit/>
+          </a:bodyPr>
+          <a:lstStyle/>
+          <a:p>
+            <a:pPr algn="just"/>
+            <a:r>
+              <a:rPr lang="es-MX" sz="1600" dirty="0">
+                <a:latin typeface="Arial" panose="020B0604020202020204" pitchFamily="34" charset="0"/>
+                <a:cs typeface="Arial" panose="020B0604020202020204" pitchFamily="34" charset="0"/>
+              </a:rPr>
+              <a:t>Cuando dos máquinas virtuales en hosts </a:t>
+            </a:r>
+            <a:r>
+              <a:rPr lang="es-MX" sz="1600" dirty="0" err="1">
+                <a:latin typeface="Arial" panose="020B0604020202020204" pitchFamily="34" charset="0"/>
+                <a:cs typeface="Arial" panose="020B0604020202020204" pitchFamily="34" charset="0"/>
+              </a:rPr>
+              <a:t>ESXi</a:t>
+            </a:r>
+            <a:r>
+              <a:rPr lang="es-MX" sz="1600" dirty="0">
+                <a:latin typeface="Arial" panose="020B0604020202020204" pitchFamily="34" charset="0"/>
+                <a:cs typeface="Arial" panose="020B0604020202020204" pitchFamily="34" charset="0"/>
+              </a:rPr>
+              <a:t> diferentes se comunican directamente, el tráfico de encapsulación unidifusión se intercambia entre las dos direcciones IP de VTEP sin necesidad de que se produzcan inundaciones. Sin embargo, como con cualquier red de capa 2, a veces el tráfico desde una máquina virtual se debe inundar o se envía a otras máquinas virtuales que pertenecen al mismo conmutador lógico. La difusión de capa 2, la unidifusión desconocida y el tráfico multidifusión se conocen como tráfico BUM. </a:t>
+            </a:r>
+          </a:p>
+          <a:p>
+            <a:pPr algn="just"/>
+            <a:endParaRPr lang="es-MX" sz="1600" dirty="0">
+              <a:latin typeface="Arial" panose="020B0604020202020204" pitchFamily="34" charset="0"/>
+              <a:cs typeface="Arial" panose="020B0604020202020204" pitchFamily="34" charset="0"/>
+            </a:endParaRPr>
+          </a:p>
+          <a:p>
+            <a:pPr algn="just"/>
+            <a:r>
+              <a:rPr lang="es-MX" sz="1600" dirty="0">
+                <a:latin typeface="Arial" panose="020B0604020202020204" pitchFamily="34" charset="0"/>
+                <a:cs typeface="Arial" panose="020B0604020202020204" pitchFamily="34" charset="0"/>
+              </a:rPr>
+              <a:t>El tráfico BUM desde una máquina virtual en un host determinado se debe replicar a otros hosts que tengan las máquinas virtuales conectadas al mismo conmutador lógico. NSX Data Center </a:t>
+            </a:r>
+            <a:r>
+              <a:rPr lang="es-MX" sz="1600" dirty="0" err="1">
+                <a:latin typeface="Arial" panose="020B0604020202020204" pitchFamily="34" charset="0"/>
+                <a:cs typeface="Arial" panose="020B0604020202020204" pitchFamily="34" charset="0"/>
+              </a:rPr>
+              <a:t>for</a:t>
+            </a:r>
+            <a:r>
+              <a:rPr lang="es-MX" sz="1600" dirty="0">
+                <a:latin typeface="Arial" panose="020B0604020202020204" pitchFamily="34" charset="0"/>
+                <a:cs typeface="Arial" panose="020B0604020202020204" pitchFamily="34" charset="0"/>
+              </a:rPr>
+              <a:t> </a:t>
+            </a:r>
+            <a:r>
+              <a:rPr lang="es-MX" sz="1600" dirty="0" err="1">
+                <a:latin typeface="Arial" panose="020B0604020202020204" pitchFamily="34" charset="0"/>
+                <a:cs typeface="Arial" panose="020B0604020202020204" pitchFamily="34" charset="0"/>
+              </a:rPr>
+              <a:t>vSphere</a:t>
+            </a:r>
+            <a:r>
+              <a:rPr lang="es-MX" sz="1600" dirty="0">
+                <a:latin typeface="Arial" panose="020B0604020202020204" pitchFamily="34" charset="0"/>
+                <a:cs typeface="Arial" panose="020B0604020202020204" pitchFamily="34" charset="0"/>
+              </a:rPr>
+              <a:t> admite tres modos de replicación diferentes:</a:t>
+            </a:r>
+          </a:p>
+        </p:txBody>
+      </p:sp>
+    </p:spTree>
+    <p:extLst>
+      <p:ext uri="{BB962C8B-B14F-4D97-AF65-F5344CB8AC3E}">
+        <p14:creationId xmlns:p14="http://schemas.microsoft.com/office/powerpoint/2010/main" val="2189369406"/>
+      </p:ext>
+    </p:extLst>
+  </p:cSld>
+  <p:clrMapOvr>
+    <a:masterClrMapping/>
+  </p:clrMapOvr>
+</p:sld>
+</file>
+
+<file path=ppt/slides/slide25.xml><?xml version="1.0" encoding="utf-8"?>
+<p:sld xmlns:a="http://schemas.openxmlformats.org/drawingml/2006/main" xmlns:r="http://schemas.openxmlformats.org/officeDocument/2006/relationships" xmlns:p="http://schemas.openxmlformats.org/presentationml/2006/main">
+  <p:cSld>
+    <p:bg>
+      <p:bgPr>
+        <a:blipFill rotWithShape="1">
+          <a:blip r:embed="rId2"/>
+          <a:stretch>
+            <a:fillRect/>
+          </a:stretch>
+        </a:blipFill>
+        <a:effectLst/>
+      </p:bgPr>
+    </p:bg>
+    <p:spTree>
+      <p:nvGrpSpPr>
+        <p:cNvPr id="1" name=""/>
+        <p:cNvGrpSpPr/>
+        <p:nvPr/>
+      </p:nvGrpSpPr>
+      <p:grpSpPr>
+        <a:xfrm>
+          <a:off x="0" y="0"/>
+          <a:ext cx="0" cy="0"/>
+          <a:chOff x="0" y="0"/>
+          <a:chExt cx="0" cy="0"/>
+        </a:xfrm>
+      </p:grpSpPr>
+      <p:sp>
+        <p:nvSpPr>
+          <p:cNvPr id="4" name="CuadroTexto 3">
+            <a:extLst>
+              <a:ext uri="{FF2B5EF4-FFF2-40B4-BE49-F238E27FC236}">
+                <a16:creationId xmlns:a16="http://schemas.microsoft.com/office/drawing/2014/main" id="{22969A7C-AD75-42B9-8681-50349BF7A6A5}"/>
+              </a:ext>
+            </a:extLst>
+          </p:cNvPr>
+          <p:cNvSpPr txBox="1"/>
+          <p:nvPr/>
+        </p:nvSpPr>
+        <p:spPr>
+          <a:xfrm>
+            <a:off x="3553690" y="498764"/>
+            <a:ext cx="5590309" cy="400110"/>
+          </a:xfrm>
+          <a:prstGeom prst="rect">
+            <a:avLst/>
+          </a:prstGeom>
+          <a:noFill/>
+        </p:spPr>
+        <p:txBody>
+          <a:bodyPr wrap="square" rtlCol="0">
+            <a:spAutoFit/>
+          </a:bodyPr>
+          <a:lstStyle/>
+          <a:p>
+            <a:pPr algn="r"/>
+            <a:r>
+              <a:rPr lang="es-MX" sz="2000" dirty="0">
+                <a:latin typeface="Arial" panose="020B0604020202020204" pitchFamily="34" charset="0"/>
+                <a:cs typeface="Arial" panose="020B0604020202020204" pitchFamily="34" charset="0"/>
+              </a:rPr>
+              <a:t>Replicación de </a:t>
+            </a:r>
+            <a:r>
+              <a:rPr lang="es-MX" sz="2000" dirty="0" err="1">
+                <a:latin typeface="Arial" panose="020B0604020202020204" pitchFamily="34" charset="0"/>
+                <a:cs typeface="Arial" panose="020B0604020202020204" pitchFamily="34" charset="0"/>
+              </a:rPr>
+              <a:t>Vmware</a:t>
+            </a:r>
+            <a:r>
+              <a:rPr lang="es-MX" sz="2000" dirty="0">
+                <a:latin typeface="Arial" panose="020B0604020202020204" pitchFamily="34" charset="0"/>
+                <a:cs typeface="Arial" panose="020B0604020202020204" pitchFamily="34" charset="0"/>
+              </a:rPr>
+              <a:t> NSX </a:t>
+            </a:r>
+            <a:r>
+              <a:rPr lang="es-MX" sz="2000" dirty="0" err="1">
+                <a:latin typeface="Arial" panose="020B0604020202020204" pitchFamily="34" charset="0"/>
+                <a:cs typeface="Arial" panose="020B0604020202020204" pitchFamily="34" charset="0"/>
+              </a:rPr>
+              <a:t>Controller</a:t>
+            </a:r>
+            <a:endParaRPr lang="es-MX" sz="2000" dirty="0">
+              <a:latin typeface="Arial" panose="020B0604020202020204" pitchFamily="34" charset="0"/>
+              <a:cs typeface="Arial" panose="020B0604020202020204" pitchFamily="34" charset="0"/>
+            </a:endParaRPr>
+          </a:p>
+        </p:txBody>
+      </p:sp>
+      <p:sp>
+        <p:nvSpPr>
+          <p:cNvPr id="5" name="CuadroTexto 4">
+            <a:extLst>
+              <a:ext uri="{FF2B5EF4-FFF2-40B4-BE49-F238E27FC236}">
+                <a16:creationId xmlns:a16="http://schemas.microsoft.com/office/drawing/2014/main" id="{996360A4-7287-4161-9B02-9963E1AB4B06}"/>
+              </a:ext>
+            </a:extLst>
+          </p:cNvPr>
+          <p:cNvSpPr txBox="1"/>
+          <p:nvPr/>
+        </p:nvSpPr>
+        <p:spPr>
+          <a:xfrm>
+            <a:off x="124690" y="1212273"/>
+            <a:ext cx="8902352" cy="2800767"/>
+          </a:xfrm>
+          <a:prstGeom prst="rect">
+            <a:avLst/>
+          </a:prstGeom>
+          <a:noFill/>
+        </p:spPr>
+        <p:txBody>
+          <a:bodyPr wrap="square" rtlCol="0">
+            <a:spAutoFit/>
+          </a:bodyPr>
+          <a:lstStyle/>
+          <a:p>
+            <a:pPr algn="just"/>
+            <a:r>
+              <a:rPr lang="es-MX" sz="1600" dirty="0">
+                <a:latin typeface="Arial" panose="020B0604020202020204" pitchFamily="34" charset="0"/>
+                <a:cs typeface="Arial" panose="020B0604020202020204" pitchFamily="34" charset="0"/>
+              </a:rPr>
+              <a:t>Hasta ahí todo normal, pero a veces el trafico originado por una MV necesita ser enviado a todas las otras </a:t>
+            </a:r>
+            <a:r>
+              <a:rPr lang="es-MX" sz="1600" dirty="0" err="1">
+                <a:latin typeface="Arial" panose="020B0604020202020204" pitchFamily="34" charset="0"/>
+                <a:cs typeface="Arial" panose="020B0604020202020204" pitchFamily="34" charset="0"/>
+              </a:rPr>
+              <a:t>MVs</a:t>
+            </a:r>
+            <a:r>
+              <a:rPr lang="es-MX" sz="1600" dirty="0">
+                <a:latin typeface="Arial" panose="020B0604020202020204" pitchFamily="34" charset="0"/>
+                <a:cs typeface="Arial" panose="020B0604020202020204" pitchFamily="34" charset="0"/>
+              </a:rPr>
+              <a:t> que pertenecen al mismo </a:t>
+            </a:r>
+            <a:r>
+              <a:rPr lang="es-MX" sz="1600" dirty="0" err="1">
+                <a:latin typeface="Arial" panose="020B0604020202020204" pitchFamily="34" charset="0"/>
+                <a:cs typeface="Arial" panose="020B0604020202020204" pitchFamily="34" charset="0"/>
+              </a:rPr>
+              <a:t>switch</a:t>
+            </a:r>
+            <a:r>
+              <a:rPr lang="es-MX" sz="1600" dirty="0">
+                <a:latin typeface="Arial" panose="020B0604020202020204" pitchFamily="34" charset="0"/>
+                <a:cs typeface="Arial" panose="020B0604020202020204" pitchFamily="34" charset="0"/>
+              </a:rPr>
+              <a:t> lógico, es decir, al mismo dominio de broadcast. Este es el caso del trafico BUM en </a:t>
+            </a:r>
+            <a:r>
+              <a:rPr lang="es-MX" sz="1600" dirty="0" err="1">
+                <a:latin typeface="Arial" panose="020B0604020202020204" pitchFamily="34" charset="0"/>
+                <a:cs typeface="Arial" panose="020B0604020202020204" pitchFamily="34" charset="0"/>
+              </a:rPr>
+              <a:t>Layer</a:t>
+            </a:r>
+            <a:r>
+              <a:rPr lang="es-MX" sz="1600" dirty="0">
+                <a:latin typeface="Arial" panose="020B0604020202020204" pitchFamily="34" charset="0"/>
+                <a:cs typeface="Arial" panose="020B0604020202020204" pitchFamily="34" charset="0"/>
+              </a:rPr>
+              <a:t> 2, es decir:</a:t>
+            </a:r>
+          </a:p>
+          <a:p>
+            <a:pPr algn="just"/>
+            <a:endParaRPr lang="es-MX" sz="1600" dirty="0">
+              <a:latin typeface="Arial" panose="020B0604020202020204" pitchFamily="34" charset="0"/>
+              <a:cs typeface="Arial" panose="020B0604020202020204" pitchFamily="34" charset="0"/>
+            </a:endParaRPr>
+          </a:p>
+          <a:p>
+            <a:pPr marL="285750" indent="-285750" algn="just">
+              <a:buFont typeface="Wingdings" panose="05000000000000000000" pitchFamily="2" charset="2"/>
+              <a:buChar char="§"/>
+            </a:pPr>
+            <a:r>
+              <a:rPr lang="es-MX" sz="1600" dirty="0">
+                <a:latin typeface="Arial" panose="020B0604020202020204" pitchFamily="34" charset="0"/>
+                <a:cs typeface="Arial" panose="020B0604020202020204" pitchFamily="34" charset="0"/>
+              </a:rPr>
+              <a:t>Broadcast</a:t>
+            </a:r>
+          </a:p>
+          <a:p>
+            <a:pPr marL="285750" indent="-285750" algn="just">
+              <a:buFont typeface="Wingdings" panose="05000000000000000000" pitchFamily="2" charset="2"/>
+              <a:buChar char="§"/>
+            </a:pPr>
+            <a:r>
+              <a:rPr lang="es-MX" sz="1600" dirty="0" err="1">
+                <a:latin typeface="Arial" panose="020B0604020202020204" pitchFamily="34" charset="0"/>
+                <a:cs typeface="Arial" panose="020B0604020202020204" pitchFamily="34" charset="0"/>
+              </a:rPr>
+              <a:t>Unknown</a:t>
+            </a:r>
+            <a:r>
+              <a:rPr lang="es-MX" sz="1600" dirty="0">
+                <a:latin typeface="Arial" panose="020B0604020202020204" pitchFamily="34" charset="0"/>
+                <a:cs typeface="Arial" panose="020B0604020202020204" pitchFamily="34" charset="0"/>
+              </a:rPr>
+              <a:t> </a:t>
+            </a:r>
+            <a:r>
+              <a:rPr lang="es-MX" sz="1600" dirty="0" err="1">
+                <a:latin typeface="Arial" panose="020B0604020202020204" pitchFamily="34" charset="0"/>
+                <a:cs typeface="Arial" panose="020B0604020202020204" pitchFamily="34" charset="0"/>
+              </a:rPr>
+              <a:t>Unicast</a:t>
+            </a:r>
+            <a:endParaRPr lang="es-MX" sz="1600" dirty="0">
+              <a:latin typeface="Arial" panose="020B0604020202020204" pitchFamily="34" charset="0"/>
+              <a:cs typeface="Arial" panose="020B0604020202020204" pitchFamily="34" charset="0"/>
+            </a:endParaRPr>
+          </a:p>
+          <a:p>
+            <a:pPr marL="285750" indent="-285750" algn="just">
+              <a:buFont typeface="Wingdings" panose="05000000000000000000" pitchFamily="2" charset="2"/>
+              <a:buChar char="§"/>
+            </a:pPr>
+            <a:r>
+              <a:rPr lang="es-MX" sz="1600" dirty="0" err="1">
+                <a:latin typeface="Arial" panose="020B0604020202020204" pitchFamily="34" charset="0"/>
+                <a:cs typeface="Arial" panose="020B0604020202020204" pitchFamily="34" charset="0"/>
+              </a:rPr>
+              <a:t>Multicast</a:t>
+            </a:r>
+            <a:endParaRPr lang="es-MX" sz="1600" dirty="0">
+              <a:latin typeface="Arial" panose="020B0604020202020204" pitchFamily="34" charset="0"/>
+              <a:cs typeface="Arial" panose="020B0604020202020204" pitchFamily="34" charset="0"/>
+            </a:endParaRPr>
+          </a:p>
+          <a:p>
+            <a:pPr algn="just"/>
+            <a:endParaRPr lang="es-MX" sz="1600" dirty="0">
+              <a:latin typeface="Arial" panose="020B0604020202020204" pitchFamily="34" charset="0"/>
+              <a:cs typeface="Arial" panose="020B0604020202020204" pitchFamily="34" charset="0"/>
+            </a:endParaRPr>
+          </a:p>
+          <a:p>
+            <a:pPr algn="just"/>
+            <a:r>
+              <a:rPr lang="es-MX" sz="1600" dirty="0">
+                <a:latin typeface="Arial" panose="020B0604020202020204" pitchFamily="34" charset="0"/>
+                <a:cs typeface="Arial" panose="020B0604020202020204" pitchFamily="34" charset="0"/>
+              </a:rPr>
+              <a:t>Para poder explicar adecuadamente como funcionan los métodos de replicación para trafico BUM, primero debemos entender que es este trafico BUM y en que casos lo podemos encontrar.</a:t>
+            </a:r>
+          </a:p>
+        </p:txBody>
+      </p:sp>
+    </p:spTree>
+    <p:extLst>
+      <p:ext uri="{BB962C8B-B14F-4D97-AF65-F5344CB8AC3E}">
+        <p14:creationId xmlns:p14="http://schemas.microsoft.com/office/powerpoint/2010/main" val="2817015142"/>
+      </p:ext>
+    </p:extLst>
+  </p:cSld>
+  <p:clrMapOvr>
+    <a:masterClrMapping/>
+  </p:clrMapOvr>
+</p:sld>
+</file>
+
+<file path=ppt/slides/slide26.xml><?xml version="1.0" encoding="utf-8"?>
+<p:sld xmlns:a="http://schemas.openxmlformats.org/drawingml/2006/main" xmlns:r="http://schemas.openxmlformats.org/officeDocument/2006/relationships" xmlns:p="http://schemas.openxmlformats.org/presentationml/2006/main">
+  <p:cSld>
+    <p:bg>
+      <p:bgPr>
+        <a:blipFill rotWithShape="1">
+          <a:blip r:embed="rId2"/>
+          <a:stretch>
+            <a:fillRect/>
+          </a:stretch>
+        </a:blipFill>
+        <a:effectLst/>
+      </p:bgPr>
+    </p:bg>
+    <p:spTree>
+      <p:nvGrpSpPr>
+        <p:cNvPr id="1" name=""/>
+        <p:cNvGrpSpPr/>
+        <p:nvPr/>
+      </p:nvGrpSpPr>
+      <p:grpSpPr>
+        <a:xfrm>
+          <a:off x="0" y="0"/>
+          <a:ext cx="0" cy="0"/>
+          <a:chOff x="0" y="0"/>
+          <a:chExt cx="0" cy="0"/>
+        </a:xfrm>
+      </p:grpSpPr>
+      <p:sp>
+        <p:nvSpPr>
+          <p:cNvPr id="4" name="CuadroTexto 3">
+            <a:extLst>
+              <a:ext uri="{FF2B5EF4-FFF2-40B4-BE49-F238E27FC236}">
+                <a16:creationId xmlns:a16="http://schemas.microsoft.com/office/drawing/2014/main" id="{22969A7C-AD75-42B9-8681-50349BF7A6A5}"/>
+              </a:ext>
+            </a:extLst>
+          </p:cNvPr>
+          <p:cNvSpPr txBox="1"/>
+          <p:nvPr/>
+        </p:nvSpPr>
+        <p:spPr>
+          <a:xfrm>
+            <a:off x="3553690" y="498764"/>
+            <a:ext cx="5590309" cy="400110"/>
+          </a:xfrm>
+          <a:prstGeom prst="rect">
+            <a:avLst/>
+          </a:prstGeom>
+          <a:noFill/>
+        </p:spPr>
+        <p:txBody>
+          <a:bodyPr wrap="square" rtlCol="0">
+            <a:spAutoFit/>
+          </a:bodyPr>
+          <a:lstStyle/>
+          <a:p>
+            <a:pPr algn="r"/>
+            <a:r>
+              <a:rPr lang="es-MX" sz="2000" dirty="0">
+                <a:latin typeface="Arial" panose="020B0604020202020204" pitchFamily="34" charset="0"/>
+                <a:cs typeface="Arial" panose="020B0604020202020204" pitchFamily="34" charset="0"/>
+              </a:rPr>
+              <a:t>Replicación de </a:t>
+            </a:r>
+            <a:r>
+              <a:rPr lang="es-MX" sz="2000" dirty="0" err="1">
+                <a:latin typeface="Arial" panose="020B0604020202020204" pitchFamily="34" charset="0"/>
+                <a:cs typeface="Arial" panose="020B0604020202020204" pitchFamily="34" charset="0"/>
+              </a:rPr>
+              <a:t>Vmware</a:t>
+            </a:r>
+            <a:r>
+              <a:rPr lang="es-MX" sz="2000" dirty="0">
+                <a:latin typeface="Arial" panose="020B0604020202020204" pitchFamily="34" charset="0"/>
+                <a:cs typeface="Arial" panose="020B0604020202020204" pitchFamily="34" charset="0"/>
+              </a:rPr>
+              <a:t> NSX </a:t>
+            </a:r>
+            <a:r>
+              <a:rPr lang="es-MX" sz="2000" dirty="0" err="1">
+                <a:latin typeface="Arial" panose="020B0604020202020204" pitchFamily="34" charset="0"/>
+                <a:cs typeface="Arial" panose="020B0604020202020204" pitchFamily="34" charset="0"/>
+              </a:rPr>
+              <a:t>Controller</a:t>
+            </a:r>
+            <a:endParaRPr lang="es-MX" sz="2000" dirty="0">
+              <a:latin typeface="Arial" panose="020B0604020202020204" pitchFamily="34" charset="0"/>
+              <a:cs typeface="Arial" panose="020B0604020202020204" pitchFamily="34" charset="0"/>
+            </a:endParaRPr>
+          </a:p>
+        </p:txBody>
+      </p:sp>
+      <p:sp>
+        <p:nvSpPr>
+          <p:cNvPr id="5" name="CuadroTexto 4">
+            <a:extLst>
+              <a:ext uri="{FF2B5EF4-FFF2-40B4-BE49-F238E27FC236}">
+                <a16:creationId xmlns:a16="http://schemas.microsoft.com/office/drawing/2014/main" id="{996360A4-7287-4161-9B02-9963E1AB4B06}"/>
+              </a:ext>
+            </a:extLst>
+          </p:cNvPr>
+          <p:cNvSpPr txBox="1"/>
+          <p:nvPr/>
+        </p:nvSpPr>
+        <p:spPr>
+          <a:xfrm>
+            <a:off x="124689" y="1212273"/>
+            <a:ext cx="6222947" cy="3046988"/>
+          </a:xfrm>
+          <a:prstGeom prst="rect">
+            <a:avLst/>
+          </a:prstGeom>
+          <a:noFill/>
+        </p:spPr>
+        <p:txBody>
+          <a:bodyPr wrap="square" rtlCol="0">
+            <a:spAutoFit/>
+          </a:bodyPr>
+          <a:lstStyle/>
+          <a:p>
+            <a:pPr algn="just"/>
+            <a:r>
+              <a:rPr lang="es-MX" sz="1600" dirty="0">
+                <a:latin typeface="Arial" panose="020B0604020202020204" pitchFamily="34" charset="0"/>
+                <a:cs typeface="Arial" panose="020B0604020202020204" pitchFamily="34" charset="0"/>
+              </a:rPr>
+              <a:t>Broadcast</a:t>
+            </a:r>
+          </a:p>
+          <a:p>
+            <a:pPr algn="just"/>
+            <a:endParaRPr lang="es-MX" sz="1600" dirty="0">
+              <a:latin typeface="Arial" panose="020B0604020202020204" pitchFamily="34" charset="0"/>
+              <a:cs typeface="Arial" panose="020B0604020202020204" pitchFamily="34" charset="0"/>
+            </a:endParaRPr>
+          </a:p>
+          <a:p>
+            <a:pPr algn="just"/>
+            <a:r>
+              <a:rPr lang="es-MX" sz="1600" dirty="0">
+                <a:latin typeface="Arial" panose="020B0604020202020204" pitchFamily="34" charset="0"/>
+                <a:cs typeface="Arial" panose="020B0604020202020204" pitchFamily="34" charset="0"/>
+              </a:rPr>
+              <a:t>Partamos en primer lugar por el trafico Broadcast. Según la definición formal, Broadcast (o difusión) es una forma de transmisión donde un Emisor envía información a una multitud de Receptores de manera simultánea.</a:t>
+            </a:r>
+          </a:p>
+          <a:p>
+            <a:pPr algn="just"/>
+            <a:endParaRPr lang="es-MX" sz="1600" dirty="0">
+              <a:latin typeface="Arial" panose="020B0604020202020204" pitchFamily="34" charset="0"/>
+              <a:cs typeface="Arial" panose="020B0604020202020204" pitchFamily="34" charset="0"/>
+            </a:endParaRPr>
+          </a:p>
+          <a:p>
+            <a:pPr algn="just"/>
+            <a:r>
+              <a:rPr lang="es-MX" sz="1600" dirty="0">
+                <a:latin typeface="Arial" panose="020B0604020202020204" pitchFamily="34" charset="0"/>
+                <a:cs typeface="Arial" panose="020B0604020202020204" pitchFamily="34" charset="0"/>
+              </a:rPr>
+              <a:t>En términos prácticos, desde el punto de vista de un </a:t>
+            </a:r>
+            <a:r>
+              <a:rPr lang="es-MX" sz="1600" dirty="0" err="1">
+                <a:latin typeface="Arial" panose="020B0604020202020204" pitchFamily="34" charset="0"/>
+                <a:cs typeface="Arial" panose="020B0604020202020204" pitchFamily="34" charset="0"/>
+              </a:rPr>
+              <a:t>Switch</a:t>
+            </a:r>
+            <a:r>
+              <a:rPr lang="es-MX" sz="1600" dirty="0">
+                <a:latin typeface="Arial" panose="020B0604020202020204" pitchFamily="34" charset="0"/>
+                <a:cs typeface="Arial" panose="020B0604020202020204" pitchFamily="34" charset="0"/>
+              </a:rPr>
+              <a:t>, un trafico Broadcast es aquel enviado por un dispositivo conectado a dicho </a:t>
+            </a:r>
+            <a:r>
+              <a:rPr lang="es-MX" sz="1600" dirty="0" err="1">
+                <a:latin typeface="Arial" panose="020B0604020202020204" pitchFamily="34" charset="0"/>
+                <a:cs typeface="Arial" panose="020B0604020202020204" pitchFamily="34" charset="0"/>
+              </a:rPr>
+              <a:t>Switch</a:t>
+            </a:r>
+            <a:r>
+              <a:rPr lang="es-MX" sz="1600" dirty="0">
+                <a:latin typeface="Arial" panose="020B0604020202020204" pitchFamily="34" charset="0"/>
+                <a:cs typeface="Arial" panose="020B0604020202020204" pitchFamily="34" charset="0"/>
+              </a:rPr>
+              <a:t>, y que será dirigido a todos los demás dispositivos que se encuentren conectados al mismo </a:t>
+            </a:r>
+            <a:r>
+              <a:rPr lang="es-MX" sz="1600" dirty="0" err="1">
+                <a:latin typeface="Arial" panose="020B0604020202020204" pitchFamily="34" charset="0"/>
+                <a:cs typeface="Arial" panose="020B0604020202020204" pitchFamily="34" charset="0"/>
+              </a:rPr>
+              <a:t>Switch</a:t>
+            </a:r>
+            <a:r>
+              <a:rPr lang="es-MX" sz="1600" dirty="0">
+                <a:latin typeface="Arial" panose="020B0604020202020204" pitchFamily="34" charset="0"/>
+                <a:cs typeface="Arial" panose="020B0604020202020204" pitchFamily="34" charset="0"/>
+              </a:rPr>
+              <a:t>, y que pertenezcan al mismo dominio de Broadcast.</a:t>
+            </a:r>
+          </a:p>
+        </p:txBody>
+      </p:sp>
+      <p:pic>
+        <p:nvPicPr>
+          <p:cNvPr id="1026" name="Picture 2">
+            <a:extLst>
+              <a:ext uri="{FF2B5EF4-FFF2-40B4-BE49-F238E27FC236}">
+                <a16:creationId xmlns:a16="http://schemas.microsoft.com/office/drawing/2014/main" id="{1B046B74-8B14-4342-9F4A-B3BD7BBB8ABC}"/>
+              </a:ext>
+            </a:extLst>
+          </p:cNvPr>
+          <p:cNvPicPr>
+            <a:picLocks noChangeAspect="1" noChangeArrowheads="1"/>
+          </p:cNvPicPr>
+          <p:nvPr/>
+        </p:nvPicPr>
+        <p:blipFill>
+          <a:blip r:embed="rId3">
+            <a:extLst>
+              <a:ext uri="{28A0092B-C50C-407E-A947-70E740481C1C}">
+                <a14:useLocalDpi xmlns:a14="http://schemas.microsoft.com/office/drawing/2010/main" val="0"/>
+              </a:ext>
+            </a:extLst>
+          </a:blip>
+          <a:srcRect/>
+          <a:stretch>
+            <a:fillRect/>
+          </a:stretch>
+        </p:blipFill>
+        <p:spPr bwMode="auto">
+          <a:xfrm>
+            <a:off x="6637618" y="1105786"/>
+            <a:ext cx="2381692" cy="3399420"/>
+          </a:xfrm>
+          <a:prstGeom prst="rect">
+            <a:avLst/>
+          </a:prstGeom>
+          <a:noFill/>
+          <a:extLst>
+            <a:ext uri="{909E8E84-426E-40DD-AFC4-6F175D3DCCD1}">
+              <a14:hiddenFill xmlns:a14="http://schemas.microsoft.com/office/drawing/2010/main">
+                <a:solidFill>
+                  <a:srgbClr val="FFFFFF"/>
+                </a:solidFill>
+              </a14:hiddenFill>
+            </a:ext>
+          </a:extLst>
+        </p:spPr>
+      </p:pic>
+    </p:spTree>
+    <p:extLst>
+      <p:ext uri="{BB962C8B-B14F-4D97-AF65-F5344CB8AC3E}">
+        <p14:creationId xmlns:p14="http://schemas.microsoft.com/office/powerpoint/2010/main" val="2770782761"/>
+      </p:ext>
+    </p:extLst>
+  </p:cSld>
+  <p:clrMapOvr>
+    <a:masterClrMapping/>
+  </p:clrMapOvr>
+</p:sld>
+</file>
+
+<file path=ppt/slides/slide27.xml><?xml version="1.0" encoding="utf-8"?>
+<p:sld xmlns:a="http://schemas.openxmlformats.org/drawingml/2006/main" xmlns:r="http://schemas.openxmlformats.org/officeDocument/2006/relationships" xmlns:p="http://schemas.openxmlformats.org/presentationml/2006/main">
+  <p:cSld>
+    <p:bg>
+      <p:bgPr>
+        <a:blipFill rotWithShape="1">
+          <a:blip r:embed="rId2"/>
+          <a:stretch>
+            <a:fillRect/>
+          </a:stretch>
+        </a:blipFill>
+        <a:effectLst/>
+      </p:bgPr>
+    </p:bg>
+    <p:spTree>
+      <p:nvGrpSpPr>
+        <p:cNvPr id="1" name=""/>
+        <p:cNvGrpSpPr/>
+        <p:nvPr/>
+      </p:nvGrpSpPr>
+      <p:grpSpPr>
+        <a:xfrm>
+          <a:off x="0" y="0"/>
+          <a:ext cx="0" cy="0"/>
+          <a:chOff x="0" y="0"/>
+          <a:chExt cx="0" cy="0"/>
+        </a:xfrm>
+      </p:grpSpPr>
+      <p:sp>
+        <p:nvSpPr>
+          <p:cNvPr id="4" name="CuadroTexto 3">
+            <a:extLst>
+              <a:ext uri="{FF2B5EF4-FFF2-40B4-BE49-F238E27FC236}">
+                <a16:creationId xmlns:a16="http://schemas.microsoft.com/office/drawing/2014/main" id="{22969A7C-AD75-42B9-8681-50349BF7A6A5}"/>
+              </a:ext>
+            </a:extLst>
+          </p:cNvPr>
+          <p:cNvSpPr txBox="1"/>
+          <p:nvPr/>
+        </p:nvSpPr>
+        <p:spPr>
+          <a:xfrm>
+            <a:off x="3553690" y="498764"/>
+            <a:ext cx="5590309" cy="400110"/>
+          </a:xfrm>
+          <a:prstGeom prst="rect">
+            <a:avLst/>
+          </a:prstGeom>
+          <a:noFill/>
+        </p:spPr>
+        <p:txBody>
+          <a:bodyPr wrap="square" rtlCol="0">
+            <a:spAutoFit/>
+          </a:bodyPr>
+          <a:lstStyle/>
+          <a:p>
+            <a:pPr algn="r"/>
+            <a:r>
+              <a:rPr lang="es-MX" sz="2000" dirty="0">
+                <a:latin typeface="Arial" panose="020B0604020202020204" pitchFamily="34" charset="0"/>
+                <a:cs typeface="Arial" panose="020B0604020202020204" pitchFamily="34" charset="0"/>
+              </a:rPr>
+              <a:t>Replicación de </a:t>
+            </a:r>
+            <a:r>
+              <a:rPr lang="es-MX" sz="2000" dirty="0" err="1">
+                <a:latin typeface="Arial" panose="020B0604020202020204" pitchFamily="34" charset="0"/>
+                <a:cs typeface="Arial" panose="020B0604020202020204" pitchFamily="34" charset="0"/>
+              </a:rPr>
+              <a:t>Vmware</a:t>
+            </a:r>
+            <a:r>
+              <a:rPr lang="es-MX" sz="2000" dirty="0">
+                <a:latin typeface="Arial" panose="020B0604020202020204" pitchFamily="34" charset="0"/>
+                <a:cs typeface="Arial" panose="020B0604020202020204" pitchFamily="34" charset="0"/>
+              </a:rPr>
+              <a:t> NSX </a:t>
+            </a:r>
+            <a:r>
+              <a:rPr lang="es-MX" sz="2000" dirty="0" err="1">
+                <a:latin typeface="Arial" panose="020B0604020202020204" pitchFamily="34" charset="0"/>
+                <a:cs typeface="Arial" panose="020B0604020202020204" pitchFamily="34" charset="0"/>
+              </a:rPr>
+              <a:t>Controller</a:t>
+            </a:r>
+            <a:endParaRPr lang="es-MX" sz="2000" dirty="0">
+              <a:latin typeface="Arial" panose="020B0604020202020204" pitchFamily="34" charset="0"/>
+              <a:cs typeface="Arial" panose="020B0604020202020204" pitchFamily="34" charset="0"/>
+            </a:endParaRPr>
+          </a:p>
+        </p:txBody>
+      </p:sp>
+      <p:sp>
+        <p:nvSpPr>
+          <p:cNvPr id="5" name="CuadroTexto 4">
+            <a:extLst>
+              <a:ext uri="{FF2B5EF4-FFF2-40B4-BE49-F238E27FC236}">
+                <a16:creationId xmlns:a16="http://schemas.microsoft.com/office/drawing/2014/main" id="{996360A4-7287-4161-9B02-9963E1AB4B06}"/>
+              </a:ext>
+            </a:extLst>
+          </p:cNvPr>
+          <p:cNvSpPr txBox="1"/>
+          <p:nvPr/>
+        </p:nvSpPr>
+        <p:spPr>
+          <a:xfrm>
+            <a:off x="124689" y="1212273"/>
+            <a:ext cx="6222947" cy="2554545"/>
+          </a:xfrm>
+          <a:prstGeom prst="rect">
+            <a:avLst/>
+          </a:prstGeom>
+          <a:noFill/>
+        </p:spPr>
+        <p:txBody>
+          <a:bodyPr wrap="square" rtlCol="0">
+            <a:spAutoFit/>
+          </a:bodyPr>
+          <a:lstStyle/>
+          <a:p>
+            <a:pPr algn="just"/>
+            <a:r>
+              <a:rPr lang="es-MX" sz="1600" dirty="0" err="1">
+                <a:latin typeface="Arial" panose="020B0604020202020204" pitchFamily="34" charset="0"/>
+                <a:cs typeface="Arial" panose="020B0604020202020204" pitchFamily="34" charset="0"/>
+              </a:rPr>
+              <a:t>Unknow</a:t>
+            </a:r>
+            <a:r>
+              <a:rPr lang="es-MX" sz="1600" dirty="0">
+                <a:latin typeface="Arial" panose="020B0604020202020204" pitchFamily="34" charset="0"/>
+                <a:cs typeface="Arial" panose="020B0604020202020204" pitchFamily="34" charset="0"/>
+              </a:rPr>
+              <a:t> </a:t>
+            </a:r>
+            <a:r>
+              <a:rPr lang="es-MX" sz="1600" dirty="0" err="1">
+                <a:latin typeface="Arial" panose="020B0604020202020204" pitchFamily="34" charset="0"/>
+                <a:cs typeface="Arial" panose="020B0604020202020204" pitchFamily="34" charset="0"/>
+              </a:rPr>
+              <a:t>Unicast</a:t>
+            </a:r>
+            <a:endParaRPr lang="es-MX" sz="1600" dirty="0">
+              <a:latin typeface="Arial" panose="020B0604020202020204" pitchFamily="34" charset="0"/>
+              <a:cs typeface="Arial" panose="020B0604020202020204" pitchFamily="34" charset="0"/>
+            </a:endParaRPr>
+          </a:p>
+          <a:p>
+            <a:pPr algn="just"/>
+            <a:endParaRPr lang="es-MX" sz="1600" dirty="0">
+              <a:latin typeface="Arial" panose="020B0604020202020204" pitchFamily="34" charset="0"/>
+              <a:cs typeface="Arial" panose="020B0604020202020204" pitchFamily="34" charset="0"/>
+            </a:endParaRPr>
+          </a:p>
+          <a:p>
+            <a:pPr algn="just"/>
+            <a:r>
+              <a:rPr lang="es-MX" sz="1600" dirty="0">
+                <a:latin typeface="Arial" panose="020B0604020202020204" pitchFamily="34" charset="0"/>
+                <a:cs typeface="Arial" panose="020B0604020202020204" pitchFamily="34" charset="0"/>
+              </a:rPr>
+              <a:t>Hablemos ahora de lo que se conoce como </a:t>
+            </a:r>
+            <a:r>
+              <a:rPr lang="es-MX" sz="1600" dirty="0" err="1">
+                <a:latin typeface="Arial" panose="020B0604020202020204" pitchFamily="34" charset="0"/>
+                <a:cs typeface="Arial" panose="020B0604020202020204" pitchFamily="34" charset="0"/>
+              </a:rPr>
+              <a:t>Unknown</a:t>
+            </a:r>
+            <a:r>
+              <a:rPr lang="es-MX" sz="1600" dirty="0">
+                <a:latin typeface="Arial" panose="020B0604020202020204" pitchFamily="34" charset="0"/>
+                <a:cs typeface="Arial" panose="020B0604020202020204" pitchFamily="34" charset="0"/>
+              </a:rPr>
+              <a:t> </a:t>
+            </a:r>
+            <a:r>
+              <a:rPr lang="es-MX" sz="1600" dirty="0" err="1">
+                <a:latin typeface="Arial" panose="020B0604020202020204" pitchFamily="34" charset="0"/>
+                <a:cs typeface="Arial" panose="020B0604020202020204" pitchFamily="34" charset="0"/>
+              </a:rPr>
+              <a:t>Unicast</a:t>
+            </a:r>
+            <a:r>
+              <a:rPr lang="es-MX" sz="1600" dirty="0">
+                <a:latin typeface="Arial" panose="020B0604020202020204" pitchFamily="34" charset="0"/>
+                <a:cs typeface="Arial" panose="020B0604020202020204" pitchFamily="34" charset="0"/>
+              </a:rPr>
+              <a:t>.</a:t>
+            </a:r>
+          </a:p>
+          <a:p>
+            <a:pPr algn="just"/>
+            <a:endParaRPr lang="es-MX" sz="1600" dirty="0">
+              <a:latin typeface="Arial" panose="020B0604020202020204" pitchFamily="34" charset="0"/>
+              <a:cs typeface="Arial" panose="020B0604020202020204" pitchFamily="34" charset="0"/>
+            </a:endParaRPr>
+          </a:p>
+          <a:p>
+            <a:pPr algn="just"/>
+            <a:r>
+              <a:rPr lang="es-MX" sz="1600" dirty="0">
+                <a:latin typeface="Arial" panose="020B0604020202020204" pitchFamily="34" charset="0"/>
+                <a:cs typeface="Arial" panose="020B0604020202020204" pitchFamily="34" charset="0"/>
+              </a:rPr>
+              <a:t>En una comunicación </a:t>
+            </a:r>
+            <a:r>
+              <a:rPr lang="es-MX" sz="1600" dirty="0" err="1">
+                <a:latin typeface="Arial" panose="020B0604020202020204" pitchFamily="34" charset="0"/>
+                <a:cs typeface="Arial" panose="020B0604020202020204" pitchFamily="34" charset="0"/>
+              </a:rPr>
+              <a:t>Unicast</a:t>
+            </a:r>
+            <a:r>
+              <a:rPr lang="es-MX" sz="1600" dirty="0">
+                <a:latin typeface="Arial" panose="020B0604020202020204" pitchFamily="34" charset="0"/>
+                <a:cs typeface="Arial" panose="020B0604020202020204" pitchFamily="34" charset="0"/>
+              </a:rPr>
+              <a:t>, tenemos una comunicación uno a uno, es decir, un único equipo emisor, enviará información a un único equipo receptor. En un trafico </a:t>
+            </a:r>
+            <a:r>
+              <a:rPr lang="es-MX" sz="1600" dirty="0" err="1">
+                <a:latin typeface="Arial" panose="020B0604020202020204" pitchFamily="34" charset="0"/>
+                <a:cs typeface="Arial" panose="020B0604020202020204" pitchFamily="34" charset="0"/>
+              </a:rPr>
+              <a:t>Unicast</a:t>
+            </a:r>
+            <a:r>
+              <a:rPr lang="es-MX" sz="1600" dirty="0">
+                <a:latin typeface="Arial" panose="020B0604020202020204" pitchFamily="34" charset="0"/>
+                <a:cs typeface="Arial" panose="020B0604020202020204" pitchFamily="34" charset="0"/>
+              </a:rPr>
+              <a:t>, el equipo que envía la información conoce la IP y MAC </a:t>
+            </a:r>
+            <a:r>
+              <a:rPr lang="es-MX" sz="1600" dirty="0" err="1">
+                <a:latin typeface="Arial" panose="020B0604020202020204" pitchFamily="34" charset="0"/>
+                <a:cs typeface="Arial" panose="020B0604020202020204" pitchFamily="34" charset="0"/>
+              </a:rPr>
+              <a:t>Address</a:t>
+            </a:r>
+            <a:r>
+              <a:rPr lang="es-MX" sz="1600" dirty="0">
+                <a:latin typeface="Arial" panose="020B0604020202020204" pitchFamily="34" charset="0"/>
+                <a:cs typeface="Arial" panose="020B0604020202020204" pitchFamily="34" charset="0"/>
+              </a:rPr>
+              <a:t> del equipo de destino, por lo que no requiere realizar un Broadcast, permitiendo enviar la información directamente de un equipo a otro.</a:t>
+            </a:r>
+          </a:p>
+        </p:txBody>
+      </p:sp>
+      <p:pic>
+        <p:nvPicPr>
+          <p:cNvPr id="2050" name="Picture 2">
+            <a:extLst>
+              <a:ext uri="{FF2B5EF4-FFF2-40B4-BE49-F238E27FC236}">
+                <a16:creationId xmlns:a16="http://schemas.microsoft.com/office/drawing/2014/main" id="{672B4E2E-804C-4F07-B245-DE7DC82953CB}"/>
+              </a:ext>
+            </a:extLst>
+          </p:cNvPr>
+          <p:cNvPicPr>
+            <a:picLocks noChangeAspect="1" noChangeArrowheads="1"/>
+          </p:cNvPicPr>
+          <p:nvPr/>
+        </p:nvPicPr>
+        <p:blipFill>
+          <a:blip r:embed="rId3">
+            <a:extLst>
+              <a:ext uri="{28A0092B-C50C-407E-A947-70E740481C1C}">
+                <a14:useLocalDpi xmlns:a14="http://schemas.microsoft.com/office/drawing/2010/main" val="0"/>
+              </a:ext>
+            </a:extLst>
+          </a:blip>
+          <a:srcRect/>
+          <a:stretch>
+            <a:fillRect/>
+          </a:stretch>
+        </p:blipFill>
+        <p:spPr bwMode="auto">
+          <a:xfrm>
+            <a:off x="6485860" y="1156986"/>
+            <a:ext cx="2533451" cy="3506358"/>
+          </a:xfrm>
+          <a:prstGeom prst="rect">
+            <a:avLst/>
+          </a:prstGeom>
+          <a:noFill/>
+          <a:extLst>
+            <a:ext uri="{909E8E84-426E-40DD-AFC4-6F175D3DCCD1}">
+              <a14:hiddenFill xmlns:a14="http://schemas.microsoft.com/office/drawing/2010/main">
+                <a:solidFill>
+                  <a:srgbClr val="FFFFFF"/>
+                </a:solidFill>
+              </a14:hiddenFill>
+            </a:ext>
+          </a:extLst>
+        </p:spPr>
+      </p:pic>
+    </p:spTree>
+    <p:extLst>
+      <p:ext uri="{BB962C8B-B14F-4D97-AF65-F5344CB8AC3E}">
+        <p14:creationId xmlns:p14="http://schemas.microsoft.com/office/powerpoint/2010/main" val="1072231829"/>
+      </p:ext>
+    </p:extLst>
+  </p:cSld>
+  <p:clrMapOvr>
+    <a:masterClrMapping/>
+  </p:clrMapOvr>
+</p:sld>
+</file>
+
+<file path=ppt/slides/slide28.xml><?xml version="1.0" encoding="utf-8"?>
+<p:sld xmlns:a="http://schemas.openxmlformats.org/drawingml/2006/main" xmlns:r="http://schemas.openxmlformats.org/officeDocument/2006/relationships" xmlns:p="http://schemas.openxmlformats.org/presentationml/2006/main">
+  <p:cSld>
+    <p:bg>
+      <p:bgPr>
+        <a:blipFill rotWithShape="1">
+          <a:blip r:embed="rId2"/>
+          <a:stretch>
+            <a:fillRect/>
+          </a:stretch>
+        </a:blipFill>
+        <a:effectLst/>
+      </p:bgPr>
+    </p:bg>
+    <p:spTree>
+      <p:nvGrpSpPr>
+        <p:cNvPr id="1" name=""/>
+        <p:cNvGrpSpPr/>
+        <p:nvPr/>
+      </p:nvGrpSpPr>
+      <p:grpSpPr>
+        <a:xfrm>
+          <a:off x="0" y="0"/>
+          <a:ext cx="0" cy="0"/>
+          <a:chOff x="0" y="0"/>
+          <a:chExt cx="0" cy="0"/>
+        </a:xfrm>
+      </p:grpSpPr>
+      <p:sp>
+        <p:nvSpPr>
+          <p:cNvPr id="4" name="CuadroTexto 3">
+            <a:extLst>
+              <a:ext uri="{FF2B5EF4-FFF2-40B4-BE49-F238E27FC236}">
+                <a16:creationId xmlns:a16="http://schemas.microsoft.com/office/drawing/2014/main" id="{22969A7C-AD75-42B9-8681-50349BF7A6A5}"/>
+              </a:ext>
+            </a:extLst>
+          </p:cNvPr>
+          <p:cNvSpPr txBox="1"/>
+          <p:nvPr/>
+        </p:nvSpPr>
+        <p:spPr>
+          <a:xfrm>
+            <a:off x="3553690" y="498764"/>
+            <a:ext cx="5590309" cy="400110"/>
+          </a:xfrm>
+          <a:prstGeom prst="rect">
+            <a:avLst/>
+          </a:prstGeom>
+          <a:noFill/>
+        </p:spPr>
+        <p:txBody>
+          <a:bodyPr wrap="square" rtlCol="0">
+            <a:spAutoFit/>
+          </a:bodyPr>
+          <a:lstStyle/>
+          <a:p>
+            <a:pPr algn="r"/>
+            <a:r>
+              <a:rPr lang="es-MX" sz="2000" dirty="0">
+                <a:latin typeface="Arial" panose="020B0604020202020204" pitchFamily="34" charset="0"/>
+                <a:cs typeface="Arial" panose="020B0604020202020204" pitchFamily="34" charset="0"/>
+              </a:rPr>
+              <a:t>Replicación de </a:t>
+            </a:r>
+            <a:r>
+              <a:rPr lang="es-MX" sz="2000" dirty="0" err="1">
+                <a:latin typeface="Arial" panose="020B0604020202020204" pitchFamily="34" charset="0"/>
+                <a:cs typeface="Arial" panose="020B0604020202020204" pitchFamily="34" charset="0"/>
+              </a:rPr>
+              <a:t>Vmware</a:t>
+            </a:r>
+            <a:r>
+              <a:rPr lang="es-MX" sz="2000" dirty="0">
+                <a:latin typeface="Arial" panose="020B0604020202020204" pitchFamily="34" charset="0"/>
+                <a:cs typeface="Arial" panose="020B0604020202020204" pitchFamily="34" charset="0"/>
+              </a:rPr>
+              <a:t> NSX </a:t>
+            </a:r>
+            <a:r>
+              <a:rPr lang="es-MX" sz="2000" dirty="0" err="1">
+                <a:latin typeface="Arial" panose="020B0604020202020204" pitchFamily="34" charset="0"/>
+                <a:cs typeface="Arial" panose="020B0604020202020204" pitchFamily="34" charset="0"/>
+              </a:rPr>
+              <a:t>Controller</a:t>
+            </a:r>
+            <a:endParaRPr lang="es-MX" sz="2000" dirty="0">
+              <a:latin typeface="Arial" panose="020B0604020202020204" pitchFamily="34" charset="0"/>
+              <a:cs typeface="Arial" panose="020B0604020202020204" pitchFamily="34" charset="0"/>
+            </a:endParaRPr>
+          </a:p>
+        </p:txBody>
+      </p:sp>
+      <p:sp>
+        <p:nvSpPr>
+          <p:cNvPr id="5" name="CuadroTexto 4">
+            <a:extLst>
+              <a:ext uri="{FF2B5EF4-FFF2-40B4-BE49-F238E27FC236}">
+                <a16:creationId xmlns:a16="http://schemas.microsoft.com/office/drawing/2014/main" id="{996360A4-7287-4161-9B02-9963E1AB4B06}"/>
+              </a:ext>
+            </a:extLst>
+          </p:cNvPr>
+          <p:cNvSpPr txBox="1"/>
+          <p:nvPr/>
+        </p:nvSpPr>
+        <p:spPr>
+          <a:xfrm>
+            <a:off x="124689" y="1212273"/>
+            <a:ext cx="6222947" cy="2554545"/>
+          </a:xfrm>
+          <a:prstGeom prst="rect">
+            <a:avLst/>
+          </a:prstGeom>
+          <a:noFill/>
+        </p:spPr>
+        <p:txBody>
+          <a:bodyPr wrap="square" rtlCol="0">
+            <a:spAutoFit/>
+          </a:bodyPr>
+          <a:lstStyle/>
+          <a:p>
+            <a:pPr algn="just"/>
+            <a:r>
+              <a:rPr lang="es-MX" sz="1600" dirty="0" err="1">
+                <a:latin typeface="Arial" panose="020B0604020202020204" pitchFamily="34" charset="0"/>
+                <a:cs typeface="Arial" panose="020B0604020202020204" pitchFamily="34" charset="0"/>
+              </a:rPr>
+              <a:t>Multicast</a:t>
+            </a:r>
+            <a:endParaRPr lang="es-MX" sz="1600" dirty="0">
+              <a:latin typeface="Arial" panose="020B0604020202020204" pitchFamily="34" charset="0"/>
+              <a:cs typeface="Arial" panose="020B0604020202020204" pitchFamily="34" charset="0"/>
+            </a:endParaRPr>
+          </a:p>
+          <a:p>
+            <a:pPr algn="just"/>
+            <a:endParaRPr lang="es-MX" sz="1600" dirty="0">
+              <a:latin typeface="Arial" panose="020B0604020202020204" pitchFamily="34" charset="0"/>
+              <a:cs typeface="Arial" panose="020B0604020202020204" pitchFamily="34" charset="0"/>
+            </a:endParaRPr>
+          </a:p>
+          <a:p>
+            <a:pPr algn="just"/>
+            <a:r>
+              <a:rPr lang="es-MX" sz="1600" dirty="0">
+                <a:latin typeface="Arial" panose="020B0604020202020204" pitchFamily="34" charset="0"/>
+                <a:cs typeface="Arial" panose="020B0604020202020204" pitchFamily="34" charset="0"/>
+              </a:rPr>
+              <a:t>Por ultimo, llegamos al trafico del tipo </a:t>
+            </a:r>
+            <a:r>
+              <a:rPr lang="es-MX" sz="1600" dirty="0" err="1">
+                <a:latin typeface="Arial" panose="020B0604020202020204" pitchFamily="34" charset="0"/>
+                <a:cs typeface="Arial" panose="020B0604020202020204" pitchFamily="34" charset="0"/>
+              </a:rPr>
+              <a:t>Multicast</a:t>
+            </a:r>
+            <a:r>
+              <a:rPr lang="es-MX" sz="1600" dirty="0">
+                <a:latin typeface="Arial" panose="020B0604020202020204" pitchFamily="34" charset="0"/>
+                <a:cs typeface="Arial" panose="020B0604020202020204" pitchFamily="34" charset="0"/>
+              </a:rPr>
+              <a:t>.  </a:t>
+            </a:r>
+            <a:r>
+              <a:rPr lang="es-MX" sz="1600" dirty="0" err="1">
+                <a:latin typeface="Arial" panose="020B0604020202020204" pitchFamily="34" charset="0"/>
+                <a:cs typeface="Arial" panose="020B0604020202020204" pitchFamily="34" charset="0"/>
+              </a:rPr>
+              <a:t>Multicast</a:t>
+            </a:r>
+            <a:r>
+              <a:rPr lang="es-MX" sz="1600" dirty="0">
+                <a:latin typeface="Arial" panose="020B0604020202020204" pitchFamily="34" charset="0"/>
+                <a:cs typeface="Arial" panose="020B0604020202020204" pitchFamily="34" charset="0"/>
+              </a:rPr>
+              <a:t> es un método de envío de paquetes que serán recibidos por un grupo determinado de equipos, es decir, es una comunicación de uno a muchos.  </a:t>
+            </a:r>
+          </a:p>
+          <a:p>
+            <a:pPr algn="just"/>
+            <a:endParaRPr lang="es-MX" sz="1600" dirty="0">
+              <a:latin typeface="Arial" panose="020B0604020202020204" pitchFamily="34" charset="0"/>
+              <a:cs typeface="Arial" panose="020B0604020202020204" pitchFamily="34" charset="0"/>
+            </a:endParaRPr>
+          </a:p>
+          <a:p>
+            <a:pPr algn="just"/>
+            <a:r>
+              <a:rPr lang="es-MX" sz="1600" dirty="0">
+                <a:latin typeface="Arial" panose="020B0604020202020204" pitchFamily="34" charset="0"/>
+                <a:cs typeface="Arial" panose="020B0604020202020204" pitchFamily="34" charset="0"/>
+              </a:rPr>
+              <a:t>Cuando el </a:t>
+            </a:r>
+            <a:r>
+              <a:rPr lang="es-MX" sz="1600" dirty="0" err="1">
+                <a:latin typeface="Arial" panose="020B0604020202020204" pitchFamily="34" charset="0"/>
+                <a:cs typeface="Arial" panose="020B0604020202020204" pitchFamily="34" charset="0"/>
+              </a:rPr>
+              <a:t>Switch</a:t>
+            </a:r>
+            <a:r>
+              <a:rPr lang="es-MX" sz="1600" dirty="0">
+                <a:latin typeface="Arial" panose="020B0604020202020204" pitchFamily="34" charset="0"/>
+                <a:cs typeface="Arial" panose="020B0604020202020204" pitchFamily="34" charset="0"/>
+              </a:rPr>
+              <a:t> sabe esta información y le llegan paquetes a la IP del grupo </a:t>
+            </a:r>
+            <a:r>
+              <a:rPr lang="es-MX" sz="1600" dirty="0" err="1">
+                <a:latin typeface="Arial" panose="020B0604020202020204" pitchFamily="34" charset="0"/>
+                <a:cs typeface="Arial" panose="020B0604020202020204" pitchFamily="34" charset="0"/>
+              </a:rPr>
+              <a:t>Multicast</a:t>
+            </a:r>
+            <a:r>
+              <a:rPr lang="es-MX" sz="1600" dirty="0">
+                <a:latin typeface="Arial" panose="020B0604020202020204" pitchFamily="34" charset="0"/>
+                <a:cs typeface="Arial" panose="020B0604020202020204" pitchFamily="34" charset="0"/>
+              </a:rPr>
+              <a:t>, este paquete es redirigido a todos los hosts que se hayan unido al grupo </a:t>
+            </a:r>
+            <a:r>
+              <a:rPr lang="es-MX" sz="1600" dirty="0" err="1">
+                <a:latin typeface="Arial" panose="020B0604020202020204" pitchFamily="34" charset="0"/>
+                <a:cs typeface="Arial" panose="020B0604020202020204" pitchFamily="34" charset="0"/>
+              </a:rPr>
+              <a:t>Multicast</a:t>
+            </a:r>
+            <a:r>
+              <a:rPr lang="es-MX" sz="1600" dirty="0">
+                <a:latin typeface="Arial" panose="020B0604020202020204" pitchFamily="34" charset="0"/>
+                <a:cs typeface="Arial" panose="020B0604020202020204" pitchFamily="34" charset="0"/>
+              </a:rPr>
+              <a:t>.</a:t>
+            </a:r>
+          </a:p>
+        </p:txBody>
+      </p:sp>
+      <p:pic>
+        <p:nvPicPr>
+          <p:cNvPr id="3074" name="Picture 2">
+            <a:extLst>
+              <a:ext uri="{FF2B5EF4-FFF2-40B4-BE49-F238E27FC236}">
+                <a16:creationId xmlns:a16="http://schemas.microsoft.com/office/drawing/2014/main" id="{4F92779E-06D9-4D38-8F17-193488EA4C86}"/>
+              </a:ext>
+            </a:extLst>
+          </p:cNvPr>
+          <p:cNvPicPr>
+            <a:picLocks noChangeAspect="1" noChangeArrowheads="1"/>
+          </p:cNvPicPr>
+          <p:nvPr/>
+        </p:nvPicPr>
+        <p:blipFill>
+          <a:blip r:embed="rId3">
+            <a:extLst>
+              <a:ext uri="{28A0092B-C50C-407E-A947-70E740481C1C}">
+                <a14:useLocalDpi xmlns:a14="http://schemas.microsoft.com/office/drawing/2010/main" val="0"/>
+              </a:ext>
+            </a:extLst>
+          </a:blip>
+          <a:srcRect/>
+          <a:stretch>
+            <a:fillRect/>
+          </a:stretch>
+        </p:blipFill>
+        <p:spPr bwMode="auto">
+          <a:xfrm>
+            <a:off x="6670617" y="1212273"/>
+            <a:ext cx="2348694" cy="3432463"/>
+          </a:xfrm>
+          <a:prstGeom prst="rect">
+            <a:avLst/>
+          </a:prstGeom>
+          <a:noFill/>
+          <a:extLst>
+            <a:ext uri="{909E8E84-426E-40DD-AFC4-6F175D3DCCD1}">
+              <a14:hiddenFill xmlns:a14="http://schemas.microsoft.com/office/drawing/2010/main">
+                <a:solidFill>
+                  <a:srgbClr val="FFFFFF"/>
+                </a:solidFill>
+              </a14:hiddenFill>
+            </a:ext>
+          </a:extLst>
+        </p:spPr>
+      </p:pic>
+    </p:spTree>
+    <p:extLst>
+      <p:ext uri="{BB962C8B-B14F-4D97-AF65-F5344CB8AC3E}">
+        <p14:creationId xmlns:p14="http://schemas.microsoft.com/office/powerpoint/2010/main" val="3892948135"/>
+      </p:ext>
+    </p:extLst>
+  </p:cSld>
+  <p:clrMapOvr>
+    <a:masterClrMapping/>
+  </p:clrMapOvr>
+</p:sld>
+</file>
+
+<file path=ppt/slides/slide29.xml><?xml version="1.0" encoding="utf-8"?>
+<p:sld xmlns:a="http://schemas.openxmlformats.org/drawingml/2006/main" xmlns:r="http://schemas.openxmlformats.org/officeDocument/2006/relationships" xmlns:p="http://schemas.openxmlformats.org/presentationml/2006/main">
+  <p:cSld>
+    <p:bg>
+      <p:bgPr>
+        <a:blipFill rotWithShape="1">
+          <a:blip r:embed="rId2"/>
+          <a:stretch>
+            <a:fillRect/>
+          </a:stretch>
+        </a:blipFill>
+        <a:effectLst/>
+      </p:bgPr>
+    </p:bg>
+    <p:spTree>
+      <p:nvGrpSpPr>
+        <p:cNvPr id="1" name=""/>
+        <p:cNvGrpSpPr/>
+        <p:nvPr/>
+      </p:nvGrpSpPr>
+      <p:grpSpPr>
+        <a:xfrm>
+          <a:off x="0" y="0"/>
+          <a:ext cx="0" cy="0"/>
+          <a:chOff x="0" y="0"/>
+          <a:chExt cx="0" cy="0"/>
+        </a:xfrm>
+      </p:grpSpPr>
+      <p:sp>
+        <p:nvSpPr>
+          <p:cNvPr id="4" name="CuadroTexto 3">
+            <a:extLst>
+              <a:ext uri="{FF2B5EF4-FFF2-40B4-BE49-F238E27FC236}">
+                <a16:creationId xmlns:a16="http://schemas.microsoft.com/office/drawing/2014/main" id="{22969A7C-AD75-42B9-8681-50349BF7A6A5}"/>
+              </a:ext>
+            </a:extLst>
+          </p:cNvPr>
+          <p:cNvSpPr txBox="1"/>
+          <p:nvPr/>
+        </p:nvSpPr>
+        <p:spPr>
+          <a:xfrm>
+            <a:off x="3553690" y="498764"/>
+            <a:ext cx="5590309" cy="400110"/>
+          </a:xfrm>
+          <a:prstGeom prst="rect">
+            <a:avLst/>
+          </a:prstGeom>
+          <a:noFill/>
+        </p:spPr>
+        <p:txBody>
+          <a:bodyPr wrap="square" rtlCol="0">
+            <a:spAutoFit/>
+          </a:bodyPr>
+          <a:lstStyle/>
+          <a:p>
+            <a:pPr algn="r"/>
+            <a:r>
+              <a:rPr lang="es-MX" sz="2000" dirty="0">
+                <a:latin typeface="Arial" panose="020B0604020202020204" pitchFamily="34" charset="0"/>
+                <a:cs typeface="Arial" panose="020B0604020202020204" pitchFamily="34" charset="0"/>
+              </a:rPr>
+              <a:t>Replicación de </a:t>
+            </a:r>
+            <a:r>
+              <a:rPr lang="es-MX" sz="2000" dirty="0" err="1">
+                <a:latin typeface="Arial" panose="020B0604020202020204" pitchFamily="34" charset="0"/>
+                <a:cs typeface="Arial" panose="020B0604020202020204" pitchFamily="34" charset="0"/>
+              </a:rPr>
+              <a:t>Vmware</a:t>
+            </a:r>
+            <a:r>
+              <a:rPr lang="es-MX" sz="2000" dirty="0">
+                <a:latin typeface="Arial" panose="020B0604020202020204" pitchFamily="34" charset="0"/>
+                <a:cs typeface="Arial" panose="020B0604020202020204" pitchFamily="34" charset="0"/>
+              </a:rPr>
+              <a:t> NSX </a:t>
+            </a:r>
+            <a:r>
+              <a:rPr lang="es-MX" sz="2000" dirty="0" err="1">
+                <a:latin typeface="Arial" panose="020B0604020202020204" pitchFamily="34" charset="0"/>
+                <a:cs typeface="Arial" panose="020B0604020202020204" pitchFamily="34" charset="0"/>
+              </a:rPr>
+              <a:t>Controller</a:t>
+            </a:r>
+            <a:endParaRPr lang="es-MX" sz="2000" dirty="0">
+              <a:latin typeface="Arial" panose="020B0604020202020204" pitchFamily="34" charset="0"/>
+              <a:cs typeface="Arial" panose="020B0604020202020204" pitchFamily="34" charset="0"/>
+            </a:endParaRPr>
+          </a:p>
+        </p:txBody>
+      </p:sp>
+      <p:sp>
+        <p:nvSpPr>
+          <p:cNvPr id="5" name="CuadroTexto 4">
+            <a:extLst>
+              <a:ext uri="{FF2B5EF4-FFF2-40B4-BE49-F238E27FC236}">
+                <a16:creationId xmlns:a16="http://schemas.microsoft.com/office/drawing/2014/main" id="{996360A4-7287-4161-9B02-9963E1AB4B06}"/>
+              </a:ext>
+            </a:extLst>
+          </p:cNvPr>
+          <p:cNvSpPr txBox="1"/>
+          <p:nvPr/>
+        </p:nvSpPr>
+        <p:spPr>
+          <a:xfrm>
+            <a:off x="124689" y="1212273"/>
+            <a:ext cx="8881088" cy="2554545"/>
+          </a:xfrm>
+          <a:prstGeom prst="rect">
+            <a:avLst/>
+          </a:prstGeom>
+          <a:noFill/>
+        </p:spPr>
+        <p:txBody>
+          <a:bodyPr wrap="square" rtlCol="0">
+            <a:spAutoFit/>
+          </a:bodyPr>
+          <a:lstStyle/>
+          <a:p>
+            <a:pPr algn="just"/>
+            <a:r>
+              <a:rPr lang="es-MX" sz="1600" dirty="0">
+                <a:latin typeface="Arial" panose="020B0604020202020204" pitchFamily="34" charset="0"/>
+                <a:cs typeface="Arial" panose="020B0604020202020204" pitchFamily="34" charset="0"/>
+              </a:rPr>
+              <a:t>Modo </a:t>
+            </a:r>
+            <a:r>
+              <a:rPr lang="es-MX" sz="1600" dirty="0" err="1">
+                <a:latin typeface="Arial" panose="020B0604020202020204" pitchFamily="34" charset="0"/>
+                <a:cs typeface="Arial" panose="020B0604020202020204" pitchFamily="34" charset="0"/>
+              </a:rPr>
+              <a:t>Multicast</a:t>
+            </a:r>
+            <a:r>
+              <a:rPr lang="es-MX" sz="1600" dirty="0">
+                <a:latin typeface="Arial" panose="020B0604020202020204" pitchFamily="34" charset="0"/>
+                <a:cs typeface="Arial" panose="020B0604020202020204" pitchFamily="34" charset="0"/>
+              </a:rPr>
+              <a:t> de replicación</a:t>
+            </a:r>
+          </a:p>
+          <a:p>
+            <a:pPr algn="just"/>
+            <a:endParaRPr lang="es-MX" sz="1600" dirty="0">
+              <a:latin typeface="Arial" panose="020B0604020202020204" pitchFamily="34" charset="0"/>
+              <a:cs typeface="Arial" panose="020B0604020202020204" pitchFamily="34" charset="0"/>
+            </a:endParaRPr>
+          </a:p>
+          <a:p>
+            <a:pPr algn="just"/>
+            <a:r>
+              <a:rPr lang="es-MX" sz="1600" dirty="0">
+                <a:latin typeface="Arial" panose="020B0604020202020204" pitchFamily="34" charset="0"/>
+                <a:cs typeface="Arial" panose="020B0604020202020204" pitchFamily="34" charset="0"/>
+              </a:rPr>
+              <a:t>El modo </a:t>
+            </a:r>
+            <a:r>
+              <a:rPr lang="es-MX" sz="1600" dirty="0" err="1">
+                <a:latin typeface="Arial" panose="020B0604020202020204" pitchFamily="34" charset="0"/>
+                <a:cs typeface="Arial" panose="020B0604020202020204" pitchFamily="34" charset="0"/>
+              </a:rPr>
+              <a:t>Multicast</a:t>
+            </a:r>
+            <a:r>
+              <a:rPr lang="es-MX" sz="1600" dirty="0">
+                <a:latin typeface="Arial" panose="020B0604020202020204" pitchFamily="34" charset="0"/>
+                <a:cs typeface="Arial" panose="020B0604020202020204" pitchFamily="34" charset="0"/>
+              </a:rPr>
+              <a:t> es la forma especificada por el estándar VXLAN para manejar el trafico BUM, y eso uno de los modos soportados por NSX.  </a:t>
+            </a:r>
+            <a:r>
+              <a:rPr lang="es-MX" sz="1600" dirty="0" err="1">
+                <a:latin typeface="Arial" panose="020B0604020202020204" pitchFamily="34" charset="0"/>
+                <a:cs typeface="Arial" panose="020B0604020202020204" pitchFamily="34" charset="0"/>
+              </a:rPr>
+              <a:t>Multicast</a:t>
+            </a:r>
+            <a:r>
+              <a:rPr lang="es-MX" sz="1600" dirty="0">
+                <a:latin typeface="Arial" panose="020B0604020202020204" pitchFamily="34" charset="0"/>
+                <a:cs typeface="Arial" panose="020B0604020202020204" pitchFamily="34" charset="0"/>
+              </a:rPr>
+              <a:t> probablemente es el modo de replicación más complejo en VXLAN, debido a su dependencia en ciertas configuraciones que deben ser realizadas en la infraestructura física.</a:t>
+            </a:r>
+          </a:p>
+          <a:p>
+            <a:pPr algn="just"/>
+            <a:endParaRPr lang="es-MX" sz="1600" dirty="0">
+              <a:latin typeface="Arial" panose="020B0604020202020204" pitchFamily="34" charset="0"/>
+              <a:cs typeface="Arial" panose="020B0604020202020204" pitchFamily="34" charset="0"/>
+            </a:endParaRPr>
+          </a:p>
+          <a:p>
+            <a:pPr algn="just"/>
+            <a:r>
+              <a:rPr lang="es-MX" sz="1600" dirty="0">
+                <a:latin typeface="Arial" panose="020B0604020202020204" pitchFamily="34" charset="0"/>
+                <a:cs typeface="Arial" panose="020B0604020202020204" pitchFamily="34" charset="0"/>
+              </a:rPr>
+              <a:t>Cuando se elige el modo de replicación </a:t>
+            </a:r>
+            <a:r>
+              <a:rPr lang="es-MX" sz="1600" dirty="0" err="1">
+                <a:latin typeface="Arial" panose="020B0604020202020204" pitchFamily="34" charset="0"/>
+                <a:cs typeface="Arial" panose="020B0604020202020204" pitchFamily="34" charset="0"/>
+              </a:rPr>
+              <a:t>Multicast</a:t>
+            </a:r>
+            <a:r>
+              <a:rPr lang="es-MX" sz="1600" dirty="0">
+                <a:latin typeface="Arial" panose="020B0604020202020204" pitchFamily="34" charset="0"/>
+                <a:cs typeface="Arial" panose="020B0604020202020204" pitchFamily="34" charset="0"/>
+              </a:rPr>
+              <a:t> para un </a:t>
+            </a:r>
+            <a:r>
+              <a:rPr lang="es-MX" sz="1600" dirty="0" err="1">
+                <a:latin typeface="Arial" panose="020B0604020202020204" pitchFamily="34" charset="0"/>
+                <a:cs typeface="Arial" panose="020B0604020202020204" pitchFamily="34" charset="0"/>
+              </a:rPr>
+              <a:t>Logical</a:t>
+            </a:r>
+            <a:r>
+              <a:rPr lang="es-MX" sz="1600" dirty="0">
+                <a:latin typeface="Arial" panose="020B0604020202020204" pitchFamily="34" charset="0"/>
+                <a:cs typeface="Arial" panose="020B0604020202020204" pitchFamily="34" charset="0"/>
+              </a:rPr>
+              <a:t> </a:t>
+            </a:r>
+            <a:r>
+              <a:rPr lang="es-MX" sz="1600" dirty="0" err="1">
+                <a:latin typeface="Arial" panose="020B0604020202020204" pitchFamily="34" charset="0"/>
+                <a:cs typeface="Arial" panose="020B0604020202020204" pitchFamily="34" charset="0"/>
+              </a:rPr>
+              <a:t>Switch</a:t>
+            </a:r>
+            <a:r>
+              <a:rPr lang="es-MX" sz="1600" dirty="0">
+                <a:latin typeface="Arial" panose="020B0604020202020204" pitchFamily="34" charset="0"/>
+                <a:cs typeface="Arial" panose="020B0604020202020204" pitchFamily="34" charset="0"/>
+              </a:rPr>
+              <a:t>, NSX confía en las capacidades </a:t>
+            </a:r>
+            <a:r>
+              <a:rPr lang="es-MX" sz="1600" dirty="0" err="1">
+                <a:latin typeface="Arial" panose="020B0604020202020204" pitchFamily="34" charset="0"/>
+                <a:cs typeface="Arial" panose="020B0604020202020204" pitchFamily="34" charset="0"/>
+              </a:rPr>
+              <a:t>Multicast</a:t>
+            </a:r>
+            <a:r>
+              <a:rPr lang="es-MX" sz="1600" dirty="0">
+                <a:latin typeface="Arial" panose="020B0604020202020204" pitchFamily="34" charset="0"/>
+                <a:cs typeface="Arial" panose="020B0604020202020204" pitchFamily="34" charset="0"/>
+              </a:rPr>
+              <a:t> L2 y L3 de la red física del </a:t>
+            </a:r>
+            <a:r>
+              <a:rPr lang="es-MX" sz="1600" dirty="0" err="1">
+                <a:latin typeface="Arial" panose="020B0604020202020204" pitchFamily="34" charset="0"/>
+                <a:cs typeface="Arial" panose="020B0604020202020204" pitchFamily="34" charset="0"/>
+              </a:rPr>
+              <a:t>datacenter</a:t>
+            </a:r>
+            <a:r>
+              <a:rPr lang="es-MX" sz="1600" dirty="0">
+                <a:latin typeface="Arial" panose="020B0604020202020204" pitchFamily="34" charset="0"/>
+                <a:cs typeface="Arial" panose="020B0604020202020204" pitchFamily="34" charset="0"/>
+              </a:rPr>
+              <a:t>, de manera de asegurar que el trafico BUM encapsulado por VXLAN sea enviado a todos los VTEP.</a:t>
+            </a:r>
+          </a:p>
+        </p:txBody>
+      </p:sp>
+    </p:spTree>
+    <p:extLst>
+      <p:ext uri="{BB962C8B-B14F-4D97-AF65-F5344CB8AC3E}">
+        <p14:creationId xmlns:p14="http://schemas.microsoft.com/office/powerpoint/2010/main" val="2608206210"/>
+      </p:ext>
+    </p:extLst>
+  </p:cSld>
+  <p:clrMapOvr>
+    <a:masterClrMapping/>
+  </p:clrMapOvr>
+</p:sld>
+</file>
+
 <file path=ppt/slides/slide3.xml><?xml version="1.0" encoding="utf-8"?>
 <p:sld xmlns:a="http://schemas.openxmlformats.org/drawingml/2006/main" xmlns:r="http://schemas.openxmlformats.org/officeDocument/2006/relationships" xmlns:p="http://schemas.openxmlformats.org/presentationml/2006/main">
   <p:cSld>
@@ -7688,6 +9561,708 @@
     <p:extLst>
       <p:ext uri="{BB962C8B-B14F-4D97-AF65-F5344CB8AC3E}">
         <p14:creationId xmlns:p14="http://schemas.microsoft.com/office/powerpoint/2010/main" val="1672001021"/>
+      </p:ext>
+    </p:extLst>
+  </p:cSld>
+  <p:clrMapOvr>
+    <a:masterClrMapping/>
+  </p:clrMapOvr>
+</p:sld>
+</file>
+
+<file path=ppt/slides/slide30.xml><?xml version="1.0" encoding="utf-8"?>
+<p:sld xmlns:a="http://schemas.openxmlformats.org/drawingml/2006/main" xmlns:r="http://schemas.openxmlformats.org/officeDocument/2006/relationships" xmlns:p="http://schemas.openxmlformats.org/presentationml/2006/main">
+  <p:cSld>
+    <p:bg>
+      <p:bgPr>
+        <a:blipFill rotWithShape="1">
+          <a:blip r:embed="rId2"/>
+          <a:stretch>
+            <a:fillRect/>
+          </a:stretch>
+        </a:blipFill>
+        <a:effectLst/>
+      </p:bgPr>
+    </p:bg>
+    <p:spTree>
+      <p:nvGrpSpPr>
+        <p:cNvPr id="1" name=""/>
+        <p:cNvGrpSpPr/>
+        <p:nvPr/>
+      </p:nvGrpSpPr>
+      <p:grpSpPr>
+        <a:xfrm>
+          <a:off x="0" y="0"/>
+          <a:ext cx="0" cy="0"/>
+          <a:chOff x="0" y="0"/>
+          <a:chExt cx="0" cy="0"/>
+        </a:xfrm>
+      </p:grpSpPr>
+      <p:sp>
+        <p:nvSpPr>
+          <p:cNvPr id="4" name="CuadroTexto 3">
+            <a:extLst>
+              <a:ext uri="{FF2B5EF4-FFF2-40B4-BE49-F238E27FC236}">
+                <a16:creationId xmlns:a16="http://schemas.microsoft.com/office/drawing/2014/main" id="{22969A7C-AD75-42B9-8681-50349BF7A6A5}"/>
+              </a:ext>
+            </a:extLst>
+          </p:cNvPr>
+          <p:cNvSpPr txBox="1"/>
+          <p:nvPr/>
+        </p:nvSpPr>
+        <p:spPr>
+          <a:xfrm>
+            <a:off x="3553690" y="498764"/>
+            <a:ext cx="5590309" cy="400110"/>
+          </a:xfrm>
+          <a:prstGeom prst="rect">
+            <a:avLst/>
+          </a:prstGeom>
+          <a:noFill/>
+        </p:spPr>
+        <p:txBody>
+          <a:bodyPr wrap="square" rtlCol="0">
+            <a:spAutoFit/>
+          </a:bodyPr>
+          <a:lstStyle/>
+          <a:p>
+            <a:pPr algn="r"/>
+            <a:r>
+              <a:rPr lang="es-MX" sz="2000" dirty="0">
+                <a:latin typeface="Arial" panose="020B0604020202020204" pitchFamily="34" charset="0"/>
+                <a:cs typeface="Arial" panose="020B0604020202020204" pitchFamily="34" charset="0"/>
+              </a:rPr>
+              <a:t>Replicación de </a:t>
+            </a:r>
+            <a:r>
+              <a:rPr lang="es-MX" sz="2000" dirty="0" err="1">
+                <a:latin typeface="Arial" panose="020B0604020202020204" pitchFamily="34" charset="0"/>
+                <a:cs typeface="Arial" panose="020B0604020202020204" pitchFamily="34" charset="0"/>
+              </a:rPr>
+              <a:t>Vmware</a:t>
+            </a:r>
+            <a:r>
+              <a:rPr lang="es-MX" sz="2000" dirty="0">
+                <a:latin typeface="Arial" panose="020B0604020202020204" pitchFamily="34" charset="0"/>
+                <a:cs typeface="Arial" panose="020B0604020202020204" pitchFamily="34" charset="0"/>
+              </a:rPr>
+              <a:t> NSX </a:t>
+            </a:r>
+            <a:r>
+              <a:rPr lang="es-MX" sz="2000" dirty="0" err="1">
+                <a:latin typeface="Arial" panose="020B0604020202020204" pitchFamily="34" charset="0"/>
+                <a:cs typeface="Arial" panose="020B0604020202020204" pitchFamily="34" charset="0"/>
+              </a:rPr>
+              <a:t>Controller</a:t>
+            </a:r>
+            <a:endParaRPr lang="es-MX" sz="2000" dirty="0">
+              <a:latin typeface="Arial" panose="020B0604020202020204" pitchFamily="34" charset="0"/>
+              <a:cs typeface="Arial" panose="020B0604020202020204" pitchFamily="34" charset="0"/>
+            </a:endParaRPr>
+          </a:p>
+        </p:txBody>
+      </p:sp>
+      <p:sp>
+        <p:nvSpPr>
+          <p:cNvPr id="5" name="CuadroTexto 4">
+            <a:extLst>
+              <a:ext uri="{FF2B5EF4-FFF2-40B4-BE49-F238E27FC236}">
+                <a16:creationId xmlns:a16="http://schemas.microsoft.com/office/drawing/2014/main" id="{996360A4-7287-4161-9B02-9963E1AB4B06}"/>
+              </a:ext>
+            </a:extLst>
+          </p:cNvPr>
+          <p:cNvSpPr txBox="1"/>
+          <p:nvPr/>
+        </p:nvSpPr>
+        <p:spPr>
+          <a:xfrm>
+            <a:off x="124689" y="1212273"/>
+            <a:ext cx="8881088" cy="3046988"/>
+          </a:xfrm>
+          <a:prstGeom prst="rect">
+            <a:avLst/>
+          </a:prstGeom>
+          <a:noFill/>
+        </p:spPr>
+        <p:txBody>
+          <a:bodyPr wrap="square" rtlCol="0">
+            <a:spAutoFit/>
+          </a:bodyPr>
+          <a:lstStyle/>
+          <a:p>
+            <a:pPr algn="just"/>
+            <a:r>
+              <a:rPr lang="es-MX" sz="1600" dirty="0">
+                <a:latin typeface="Arial" panose="020B0604020202020204" pitchFamily="34" charset="0"/>
+                <a:cs typeface="Arial" panose="020B0604020202020204" pitchFamily="34" charset="0"/>
+              </a:rPr>
+              <a:t>Modo </a:t>
+            </a:r>
+            <a:r>
+              <a:rPr lang="es-MX" sz="1600" dirty="0" err="1">
+                <a:latin typeface="Arial" panose="020B0604020202020204" pitchFamily="34" charset="0"/>
+                <a:cs typeface="Arial" panose="020B0604020202020204" pitchFamily="34" charset="0"/>
+              </a:rPr>
+              <a:t>Unicast</a:t>
+            </a:r>
+            <a:r>
+              <a:rPr lang="es-MX" sz="1600" dirty="0">
+                <a:latin typeface="Arial" panose="020B0604020202020204" pitchFamily="34" charset="0"/>
+                <a:cs typeface="Arial" panose="020B0604020202020204" pitchFamily="34" charset="0"/>
+              </a:rPr>
+              <a:t> de replicación</a:t>
+            </a:r>
+          </a:p>
+          <a:p>
+            <a:pPr algn="just"/>
+            <a:endParaRPr lang="es-MX" sz="1600" dirty="0">
+              <a:latin typeface="Arial" panose="020B0604020202020204" pitchFamily="34" charset="0"/>
+              <a:cs typeface="Arial" panose="020B0604020202020204" pitchFamily="34" charset="0"/>
+            </a:endParaRPr>
+          </a:p>
+          <a:p>
+            <a:pPr algn="just"/>
+            <a:r>
+              <a:rPr lang="es-MX" sz="1600" dirty="0">
+                <a:latin typeface="Arial" panose="020B0604020202020204" pitchFamily="34" charset="0"/>
+                <a:cs typeface="Arial" panose="020B0604020202020204" pitchFamily="34" charset="0"/>
+              </a:rPr>
+              <a:t>El modo de replicación </a:t>
+            </a:r>
+            <a:r>
+              <a:rPr lang="es-MX" sz="1600" dirty="0" err="1">
+                <a:latin typeface="Arial" panose="020B0604020202020204" pitchFamily="34" charset="0"/>
+                <a:cs typeface="Arial" panose="020B0604020202020204" pitchFamily="34" charset="0"/>
+              </a:rPr>
+              <a:t>Unicast</a:t>
+            </a:r>
+            <a:r>
+              <a:rPr lang="es-MX" sz="1600" dirty="0">
+                <a:latin typeface="Arial" panose="020B0604020202020204" pitchFamily="34" charset="0"/>
+                <a:cs typeface="Arial" panose="020B0604020202020204" pitchFamily="34" charset="0"/>
+              </a:rPr>
+              <a:t> es bastante sencillo, y no necesita ninguna configuración explicita en la red </a:t>
+            </a:r>
+            <a:r>
+              <a:rPr lang="es-MX" sz="1600" dirty="0" err="1">
+                <a:latin typeface="Arial" panose="020B0604020202020204" pitchFamily="34" charset="0"/>
+                <a:cs typeface="Arial" panose="020B0604020202020204" pitchFamily="34" charset="0"/>
+              </a:rPr>
+              <a:t>fisica</a:t>
+            </a:r>
+            <a:r>
+              <a:rPr lang="es-MX" sz="1600" dirty="0">
+                <a:latin typeface="Arial" panose="020B0604020202020204" pitchFamily="34" charset="0"/>
+                <a:cs typeface="Arial" panose="020B0604020202020204" pitchFamily="34" charset="0"/>
+              </a:rPr>
+              <a:t> para poder habilitar el trafico BUM por VXLAN.  De hecho, el </a:t>
+            </a:r>
+            <a:r>
+              <a:rPr lang="es-MX" sz="1600" dirty="0" err="1">
+                <a:latin typeface="Arial" panose="020B0604020202020204" pitchFamily="34" charset="0"/>
+                <a:cs typeface="Arial" panose="020B0604020202020204" pitchFamily="34" charset="0"/>
+              </a:rPr>
+              <a:t>unico</a:t>
+            </a:r>
+            <a:r>
+              <a:rPr lang="es-MX" sz="1600" dirty="0">
+                <a:latin typeface="Arial" panose="020B0604020202020204" pitchFamily="34" charset="0"/>
+                <a:cs typeface="Arial" panose="020B0604020202020204" pitchFamily="34" charset="0"/>
+              </a:rPr>
+              <a:t> requerimiento es que la red </a:t>
+            </a:r>
+            <a:r>
+              <a:rPr lang="es-MX" sz="1600" dirty="0" err="1">
+                <a:latin typeface="Arial" panose="020B0604020202020204" pitchFamily="34" charset="0"/>
+                <a:cs typeface="Arial" panose="020B0604020202020204" pitchFamily="34" charset="0"/>
+              </a:rPr>
+              <a:t>fisica</a:t>
+            </a:r>
+            <a:r>
+              <a:rPr lang="es-MX" sz="1600" dirty="0">
+                <a:latin typeface="Arial" panose="020B0604020202020204" pitchFamily="34" charset="0"/>
+                <a:cs typeface="Arial" panose="020B0604020202020204" pitchFamily="34" charset="0"/>
+              </a:rPr>
+              <a:t> soporte MTU de 1600 bytes.</a:t>
+            </a:r>
+          </a:p>
+          <a:p>
+            <a:pPr algn="just"/>
+            <a:endParaRPr lang="es-MX" sz="1600" dirty="0">
+              <a:latin typeface="Arial" panose="020B0604020202020204" pitchFamily="34" charset="0"/>
+              <a:cs typeface="Arial" panose="020B0604020202020204" pitchFamily="34" charset="0"/>
+            </a:endParaRPr>
+          </a:p>
+          <a:p>
+            <a:pPr algn="just"/>
+            <a:r>
+              <a:rPr lang="es-MX" sz="1600" dirty="0">
+                <a:latin typeface="Arial" panose="020B0604020202020204" pitchFamily="34" charset="0"/>
+                <a:cs typeface="Arial" panose="020B0604020202020204" pitchFamily="34" charset="0"/>
+              </a:rPr>
+              <a:t>El modo </a:t>
+            </a:r>
+            <a:r>
+              <a:rPr lang="es-MX" sz="1600" dirty="0" err="1">
+                <a:latin typeface="Arial" panose="020B0604020202020204" pitchFamily="34" charset="0"/>
+                <a:cs typeface="Arial" panose="020B0604020202020204" pitchFamily="34" charset="0"/>
+              </a:rPr>
+              <a:t>Unicast</a:t>
+            </a:r>
+            <a:r>
+              <a:rPr lang="es-MX" sz="1600" dirty="0">
+                <a:latin typeface="Arial" panose="020B0604020202020204" pitchFamily="34" charset="0"/>
+                <a:cs typeface="Arial" panose="020B0604020202020204" pitchFamily="34" charset="0"/>
+              </a:rPr>
+              <a:t> representa entonces un enfoque completamente opuesto al que explicamos previamente con el modo </a:t>
+            </a:r>
+            <a:r>
+              <a:rPr lang="es-MX" sz="1600" dirty="0" err="1">
+                <a:latin typeface="Arial" panose="020B0604020202020204" pitchFamily="34" charset="0"/>
+                <a:cs typeface="Arial" panose="020B0604020202020204" pitchFamily="34" charset="0"/>
+              </a:rPr>
+              <a:t>Multicast</a:t>
+            </a:r>
+            <a:r>
+              <a:rPr lang="es-MX" sz="1600" dirty="0">
+                <a:latin typeface="Arial" panose="020B0604020202020204" pitchFamily="34" charset="0"/>
+                <a:cs typeface="Arial" panose="020B0604020202020204" pitchFamily="34" charset="0"/>
+              </a:rPr>
+              <a:t>. Utilizando </a:t>
+            </a:r>
+            <a:r>
+              <a:rPr lang="es-MX" sz="1600" dirty="0" err="1">
+                <a:latin typeface="Arial" panose="020B0604020202020204" pitchFamily="34" charset="0"/>
+                <a:cs typeface="Arial" panose="020B0604020202020204" pitchFamily="34" charset="0"/>
+              </a:rPr>
+              <a:t>Unicast</a:t>
+            </a:r>
+            <a:r>
+              <a:rPr lang="es-MX" sz="1600" dirty="0">
+                <a:latin typeface="Arial" panose="020B0604020202020204" pitchFamily="34" charset="0"/>
+                <a:cs typeface="Arial" panose="020B0604020202020204" pitchFamily="34" charset="0"/>
+              </a:rPr>
+              <a:t> podemos lograr desacoplar completamente la red </a:t>
+            </a:r>
+            <a:r>
+              <a:rPr lang="es-MX" sz="1600" dirty="0" err="1">
+                <a:latin typeface="Arial" panose="020B0604020202020204" pitchFamily="34" charset="0"/>
+                <a:cs typeface="Arial" panose="020B0604020202020204" pitchFamily="34" charset="0"/>
+              </a:rPr>
+              <a:t>logica</a:t>
+            </a:r>
+            <a:r>
+              <a:rPr lang="es-MX" sz="1600" dirty="0">
+                <a:latin typeface="Arial" panose="020B0604020202020204" pitchFamily="34" charset="0"/>
+                <a:cs typeface="Arial" panose="020B0604020202020204" pitchFamily="34" charset="0"/>
+              </a:rPr>
+              <a:t> de la red </a:t>
+            </a:r>
+            <a:r>
+              <a:rPr lang="es-MX" sz="1600" dirty="0" err="1">
+                <a:latin typeface="Arial" panose="020B0604020202020204" pitchFamily="34" charset="0"/>
+                <a:cs typeface="Arial" panose="020B0604020202020204" pitchFamily="34" charset="0"/>
+              </a:rPr>
+              <a:t>fisica</a:t>
+            </a:r>
+            <a:r>
+              <a:rPr lang="es-MX" sz="1600" dirty="0">
+                <a:latin typeface="Arial" panose="020B0604020202020204" pitchFamily="34" charset="0"/>
+                <a:cs typeface="Arial" panose="020B0604020202020204" pitchFamily="34" charset="0"/>
+              </a:rPr>
+              <a:t>, pudiendo conseguir una implementación Software Define Network real, debido a que con </a:t>
+            </a:r>
+            <a:r>
+              <a:rPr lang="es-MX" sz="1600" dirty="0" err="1">
+                <a:latin typeface="Arial" panose="020B0604020202020204" pitchFamily="34" charset="0"/>
+                <a:cs typeface="Arial" panose="020B0604020202020204" pitchFamily="34" charset="0"/>
+              </a:rPr>
+              <a:t>Unicast</a:t>
+            </a:r>
+            <a:r>
+              <a:rPr lang="es-MX" sz="1600" dirty="0">
+                <a:latin typeface="Arial" panose="020B0604020202020204" pitchFamily="34" charset="0"/>
+                <a:cs typeface="Arial" panose="020B0604020202020204" pitchFamily="34" charset="0"/>
+              </a:rPr>
+              <a:t> no necesitamos realizar ningún tipo de configuración especifica en la red </a:t>
+            </a:r>
+            <a:r>
+              <a:rPr lang="es-MX" sz="1600" dirty="0" err="1">
+                <a:latin typeface="Arial" panose="020B0604020202020204" pitchFamily="34" charset="0"/>
+                <a:cs typeface="Arial" panose="020B0604020202020204" pitchFamily="34" charset="0"/>
+              </a:rPr>
+              <a:t>fisica</a:t>
+            </a:r>
+            <a:r>
+              <a:rPr lang="es-MX" sz="1600" dirty="0">
+                <a:latin typeface="Arial" panose="020B0604020202020204" pitchFamily="34" charset="0"/>
+                <a:cs typeface="Arial" panose="020B0604020202020204" pitchFamily="34" charset="0"/>
+              </a:rPr>
+              <a:t> para poder soportar la replicación del trafico BUM sobre VXLAN.</a:t>
+            </a:r>
+          </a:p>
+        </p:txBody>
+      </p:sp>
+    </p:spTree>
+    <p:extLst>
+      <p:ext uri="{BB962C8B-B14F-4D97-AF65-F5344CB8AC3E}">
+        <p14:creationId xmlns:p14="http://schemas.microsoft.com/office/powerpoint/2010/main" val="4059930978"/>
+      </p:ext>
+    </p:extLst>
+  </p:cSld>
+  <p:clrMapOvr>
+    <a:masterClrMapping/>
+  </p:clrMapOvr>
+</p:sld>
+</file>
+
+<file path=ppt/slides/slide31.xml><?xml version="1.0" encoding="utf-8"?>
+<p:sld xmlns:a="http://schemas.openxmlformats.org/drawingml/2006/main" xmlns:r="http://schemas.openxmlformats.org/officeDocument/2006/relationships" xmlns:p="http://schemas.openxmlformats.org/presentationml/2006/main">
+  <p:cSld>
+    <p:bg>
+      <p:bgPr>
+        <a:blipFill rotWithShape="1">
+          <a:blip r:embed="rId2"/>
+          <a:stretch>
+            <a:fillRect/>
+          </a:stretch>
+        </a:blipFill>
+        <a:effectLst/>
+      </p:bgPr>
+    </p:bg>
+    <p:spTree>
+      <p:nvGrpSpPr>
+        <p:cNvPr id="1" name=""/>
+        <p:cNvGrpSpPr/>
+        <p:nvPr/>
+      </p:nvGrpSpPr>
+      <p:grpSpPr>
+        <a:xfrm>
+          <a:off x="0" y="0"/>
+          <a:ext cx="0" cy="0"/>
+          <a:chOff x="0" y="0"/>
+          <a:chExt cx="0" cy="0"/>
+        </a:xfrm>
+      </p:grpSpPr>
+      <p:sp>
+        <p:nvSpPr>
+          <p:cNvPr id="4" name="CuadroTexto 3">
+            <a:extLst>
+              <a:ext uri="{FF2B5EF4-FFF2-40B4-BE49-F238E27FC236}">
+                <a16:creationId xmlns:a16="http://schemas.microsoft.com/office/drawing/2014/main" id="{22969A7C-AD75-42B9-8681-50349BF7A6A5}"/>
+              </a:ext>
+            </a:extLst>
+          </p:cNvPr>
+          <p:cNvSpPr txBox="1"/>
+          <p:nvPr/>
+        </p:nvSpPr>
+        <p:spPr>
+          <a:xfrm>
+            <a:off x="3553690" y="498764"/>
+            <a:ext cx="5590309" cy="400110"/>
+          </a:xfrm>
+          <a:prstGeom prst="rect">
+            <a:avLst/>
+          </a:prstGeom>
+          <a:noFill/>
+        </p:spPr>
+        <p:txBody>
+          <a:bodyPr wrap="square" rtlCol="0">
+            <a:spAutoFit/>
+          </a:bodyPr>
+          <a:lstStyle/>
+          <a:p>
+            <a:pPr algn="r"/>
+            <a:r>
+              <a:rPr lang="es-MX" sz="2000" dirty="0">
+                <a:latin typeface="Arial" panose="020B0604020202020204" pitchFamily="34" charset="0"/>
+                <a:cs typeface="Arial" panose="020B0604020202020204" pitchFamily="34" charset="0"/>
+              </a:rPr>
+              <a:t>Replicación de </a:t>
+            </a:r>
+            <a:r>
+              <a:rPr lang="es-MX" sz="2000" dirty="0" err="1">
+                <a:latin typeface="Arial" panose="020B0604020202020204" pitchFamily="34" charset="0"/>
+                <a:cs typeface="Arial" panose="020B0604020202020204" pitchFamily="34" charset="0"/>
+              </a:rPr>
+              <a:t>Vmware</a:t>
+            </a:r>
+            <a:r>
+              <a:rPr lang="es-MX" sz="2000" dirty="0">
+                <a:latin typeface="Arial" panose="020B0604020202020204" pitchFamily="34" charset="0"/>
+                <a:cs typeface="Arial" panose="020B0604020202020204" pitchFamily="34" charset="0"/>
+              </a:rPr>
+              <a:t> NSX </a:t>
+            </a:r>
+            <a:r>
+              <a:rPr lang="es-MX" sz="2000" dirty="0" err="1">
+                <a:latin typeface="Arial" panose="020B0604020202020204" pitchFamily="34" charset="0"/>
+                <a:cs typeface="Arial" panose="020B0604020202020204" pitchFamily="34" charset="0"/>
+              </a:rPr>
+              <a:t>Controller</a:t>
+            </a:r>
+            <a:endParaRPr lang="es-MX" sz="2000" dirty="0">
+              <a:latin typeface="Arial" panose="020B0604020202020204" pitchFamily="34" charset="0"/>
+              <a:cs typeface="Arial" panose="020B0604020202020204" pitchFamily="34" charset="0"/>
+            </a:endParaRPr>
+          </a:p>
+        </p:txBody>
+      </p:sp>
+      <p:sp>
+        <p:nvSpPr>
+          <p:cNvPr id="5" name="CuadroTexto 4">
+            <a:extLst>
+              <a:ext uri="{FF2B5EF4-FFF2-40B4-BE49-F238E27FC236}">
+                <a16:creationId xmlns:a16="http://schemas.microsoft.com/office/drawing/2014/main" id="{996360A4-7287-4161-9B02-9963E1AB4B06}"/>
+              </a:ext>
+            </a:extLst>
+          </p:cNvPr>
+          <p:cNvSpPr txBox="1"/>
+          <p:nvPr/>
+        </p:nvSpPr>
+        <p:spPr>
+          <a:xfrm>
+            <a:off x="124689" y="1212273"/>
+            <a:ext cx="8881088" cy="3046988"/>
+          </a:xfrm>
+          <a:prstGeom prst="rect">
+            <a:avLst/>
+          </a:prstGeom>
+          <a:noFill/>
+        </p:spPr>
+        <p:txBody>
+          <a:bodyPr wrap="square" rtlCol="0">
+            <a:spAutoFit/>
+          </a:bodyPr>
+          <a:lstStyle/>
+          <a:p>
+            <a:pPr algn="just"/>
+            <a:r>
+              <a:rPr lang="es-MX" sz="1600" dirty="0">
+                <a:latin typeface="Arial" panose="020B0604020202020204" pitchFamily="34" charset="0"/>
+                <a:cs typeface="Arial" panose="020B0604020202020204" pitchFamily="34" charset="0"/>
+              </a:rPr>
+              <a:t>Modo Híbrido de replicación</a:t>
+            </a:r>
+          </a:p>
+          <a:p>
+            <a:pPr algn="just"/>
+            <a:endParaRPr lang="es-MX" sz="1600" dirty="0">
+              <a:latin typeface="Arial" panose="020B0604020202020204" pitchFamily="34" charset="0"/>
+              <a:cs typeface="Arial" panose="020B0604020202020204" pitchFamily="34" charset="0"/>
+            </a:endParaRPr>
+          </a:p>
+          <a:p>
+            <a:pPr algn="just"/>
+            <a:r>
+              <a:rPr lang="es-MX" sz="1600" dirty="0">
+                <a:latin typeface="Arial" panose="020B0604020202020204" pitchFamily="34" charset="0"/>
+                <a:cs typeface="Arial" panose="020B0604020202020204" pitchFamily="34" charset="0"/>
+              </a:rPr>
+              <a:t>El modo híbrido es un híbrido entre los modos de replicación multidifusión y unidifusión. En el modo de replicación híbrido, el host de VTEP usa la multidifusión de Capa 2 para distribuir el tráfico BUM a los VTEP al mismo nivel en la misma subred. Cuando los VTEP de host replican el tráfico BUM a VTEP en diferentes subredes, reenvían el tráfico como paquetes de unidifusión a un host por subred de VTEP. Este host de destino usa la multidifusión de Capa 2 para enviar paquetes a otros VTEP en su subred.</a:t>
+            </a:r>
+          </a:p>
+          <a:p>
+            <a:pPr algn="just"/>
+            <a:endParaRPr lang="es-MX" sz="1600" dirty="0">
+              <a:latin typeface="Arial" panose="020B0604020202020204" pitchFamily="34" charset="0"/>
+              <a:cs typeface="Arial" panose="020B0604020202020204" pitchFamily="34" charset="0"/>
+            </a:endParaRPr>
+          </a:p>
+          <a:p>
+            <a:pPr algn="just"/>
+            <a:r>
+              <a:rPr lang="es-MX" sz="1600" dirty="0">
+                <a:latin typeface="Arial" panose="020B0604020202020204" pitchFamily="34" charset="0"/>
+                <a:cs typeface="Arial" panose="020B0604020202020204" pitchFamily="34" charset="0"/>
+              </a:rPr>
+              <a:t>La multidifusión de Capa 2 es más común en las redes de cliente que la multidifusión de Capa 3, ya que suele ser más fácil de implementar. La replicación a diferentes VTEP en la misma subred se realiza en la red física. </a:t>
+            </a:r>
+          </a:p>
+        </p:txBody>
+      </p:sp>
+    </p:spTree>
+    <p:extLst>
+      <p:ext uri="{BB962C8B-B14F-4D97-AF65-F5344CB8AC3E}">
+        <p14:creationId xmlns:p14="http://schemas.microsoft.com/office/powerpoint/2010/main" val="2815243138"/>
+      </p:ext>
+    </p:extLst>
+  </p:cSld>
+  <p:clrMapOvr>
+    <a:masterClrMapping/>
+  </p:clrMapOvr>
+</p:sld>
+</file>
+
+<file path=ppt/slides/slide32.xml><?xml version="1.0" encoding="utf-8"?>
+<p:sld xmlns:a="http://schemas.openxmlformats.org/drawingml/2006/main" xmlns:r="http://schemas.openxmlformats.org/officeDocument/2006/relationships" xmlns:p="http://schemas.openxmlformats.org/presentationml/2006/main">
+  <p:cSld>
+    <p:bg>
+      <p:bgPr>
+        <a:blipFill rotWithShape="1">
+          <a:blip r:embed="rId2"/>
+          <a:stretch>
+            <a:fillRect/>
+          </a:stretch>
+        </a:blipFill>
+        <a:effectLst/>
+      </p:bgPr>
+    </p:bg>
+    <p:spTree>
+      <p:nvGrpSpPr>
+        <p:cNvPr id="1" name=""/>
+        <p:cNvGrpSpPr/>
+        <p:nvPr/>
+      </p:nvGrpSpPr>
+      <p:grpSpPr>
+        <a:xfrm>
+          <a:off x="0" y="0"/>
+          <a:ext cx="0" cy="0"/>
+          <a:chOff x="0" y="0"/>
+          <a:chExt cx="0" cy="0"/>
+        </a:xfrm>
+      </p:grpSpPr>
+      <p:sp>
+        <p:nvSpPr>
+          <p:cNvPr id="4" name="CuadroTexto 3">
+            <a:extLst>
+              <a:ext uri="{FF2B5EF4-FFF2-40B4-BE49-F238E27FC236}">
+                <a16:creationId xmlns:a16="http://schemas.microsoft.com/office/drawing/2014/main" id="{22969A7C-AD75-42B9-8681-50349BF7A6A5}"/>
+              </a:ext>
+            </a:extLst>
+          </p:cNvPr>
+          <p:cNvSpPr txBox="1"/>
+          <p:nvPr/>
+        </p:nvSpPr>
+        <p:spPr>
+          <a:xfrm>
+            <a:off x="3553690" y="498764"/>
+            <a:ext cx="5590309" cy="400110"/>
+          </a:xfrm>
+          <a:prstGeom prst="rect">
+            <a:avLst/>
+          </a:prstGeom>
+          <a:noFill/>
+        </p:spPr>
+        <p:txBody>
+          <a:bodyPr wrap="square" rtlCol="0">
+            <a:spAutoFit/>
+          </a:bodyPr>
+          <a:lstStyle/>
+          <a:p>
+            <a:pPr algn="r"/>
+            <a:r>
+              <a:rPr lang="es-MX" sz="2000" dirty="0">
+                <a:latin typeface="Arial" panose="020B0604020202020204" pitchFamily="34" charset="0"/>
+                <a:cs typeface="Arial" panose="020B0604020202020204" pitchFamily="34" charset="0"/>
+              </a:rPr>
+              <a:t>Replicación de </a:t>
+            </a:r>
+            <a:r>
+              <a:rPr lang="es-MX" sz="2000" dirty="0" err="1">
+                <a:latin typeface="Arial" panose="020B0604020202020204" pitchFamily="34" charset="0"/>
+                <a:cs typeface="Arial" panose="020B0604020202020204" pitchFamily="34" charset="0"/>
+              </a:rPr>
+              <a:t>Vmware</a:t>
+            </a:r>
+            <a:r>
+              <a:rPr lang="es-MX" sz="2000" dirty="0">
+                <a:latin typeface="Arial" panose="020B0604020202020204" pitchFamily="34" charset="0"/>
+                <a:cs typeface="Arial" panose="020B0604020202020204" pitchFamily="34" charset="0"/>
+              </a:rPr>
+              <a:t> NSX </a:t>
+            </a:r>
+            <a:r>
+              <a:rPr lang="es-MX" sz="2000" dirty="0" err="1">
+                <a:latin typeface="Arial" panose="020B0604020202020204" pitchFamily="34" charset="0"/>
+                <a:cs typeface="Arial" panose="020B0604020202020204" pitchFamily="34" charset="0"/>
+              </a:rPr>
+              <a:t>Controller</a:t>
+            </a:r>
+            <a:endParaRPr lang="es-MX" sz="2000" dirty="0">
+              <a:latin typeface="Arial" panose="020B0604020202020204" pitchFamily="34" charset="0"/>
+              <a:cs typeface="Arial" panose="020B0604020202020204" pitchFamily="34" charset="0"/>
+            </a:endParaRPr>
+          </a:p>
+        </p:txBody>
+      </p:sp>
+      <p:sp>
+        <p:nvSpPr>
+          <p:cNvPr id="5" name="CuadroTexto 4">
+            <a:extLst>
+              <a:ext uri="{FF2B5EF4-FFF2-40B4-BE49-F238E27FC236}">
+                <a16:creationId xmlns:a16="http://schemas.microsoft.com/office/drawing/2014/main" id="{996360A4-7287-4161-9B02-9963E1AB4B06}"/>
+              </a:ext>
+            </a:extLst>
+          </p:cNvPr>
+          <p:cNvSpPr txBox="1"/>
+          <p:nvPr/>
+        </p:nvSpPr>
+        <p:spPr>
+          <a:xfrm>
+            <a:off x="124689" y="1212273"/>
+            <a:ext cx="8881088" cy="3046988"/>
+          </a:xfrm>
+          <a:prstGeom prst="rect">
+            <a:avLst/>
+          </a:prstGeom>
+          <a:noFill/>
+        </p:spPr>
+        <p:txBody>
+          <a:bodyPr wrap="square" rtlCol="0">
+            <a:spAutoFit/>
+          </a:bodyPr>
+          <a:lstStyle/>
+          <a:p>
+            <a:pPr algn="just"/>
+            <a:r>
+              <a:rPr lang="es-MX" sz="1600" dirty="0">
+                <a:latin typeface="Arial" panose="020B0604020202020204" pitchFamily="34" charset="0"/>
+                <a:cs typeface="Arial" panose="020B0604020202020204" pitchFamily="34" charset="0"/>
+              </a:rPr>
+              <a:t>Modo Híbrido de replicación</a:t>
+            </a:r>
+          </a:p>
+          <a:p>
+            <a:pPr algn="just"/>
+            <a:endParaRPr lang="es-MX" sz="1600" dirty="0">
+              <a:latin typeface="Arial" panose="020B0604020202020204" pitchFamily="34" charset="0"/>
+              <a:cs typeface="Arial" panose="020B0604020202020204" pitchFamily="34" charset="0"/>
+            </a:endParaRPr>
+          </a:p>
+          <a:p>
+            <a:pPr algn="just"/>
+            <a:r>
+              <a:rPr lang="es-MX" sz="1600" dirty="0">
+                <a:latin typeface="Arial" panose="020B0604020202020204" pitchFamily="34" charset="0"/>
+                <a:cs typeface="Arial" panose="020B0604020202020204" pitchFamily="34" charset="0"/>
+              </a:rPr>
+              <a:t>El modo híbrido es un híbrido entre los modos de replicación multidifusión y unidifusión. En el modo de replicación híbrido, el host de VTEP usa la multidifusión de Capa 2 para distribuir el tráfico BUM a los VTEP al mismo nivel en la misma subred. Cuando los VTEP de host replican el tráfico BUM a VTEP en diferentes subredes, reenvían el tráfico como paquetes de unidifusión a un host por subred de VTEP. Este host de destino usa la multidifusión de Capa 2 para enviar paquetes a otros VTEP en su subred.</a:t>
+            </a:r>
+          </a:p>
+          <a:p>
+            <a:pPr algn="just"/>
+            <a:endParaRPr lang="es-MX" sz="1600" dirty="0">
+              <a:latin typeface="Arial" panose="020B0604020202020204" pitchFamily="34" charset="0"/>
+              <a:cs typeface="Arial" panose="020B0604020202020204" pitchFamily="34" charset="0"/>
+            </a:endParaRPr>
+          </a:p>
+          <a:p>
+            <a:pPr algn="just"/>
+            <a:r>
+              <a:rPr lang="es-MX" sz="1600" dirty="0">
+                <a:latin typeface="Arial" panose="020B0604020202020204" pitchFamily="34" charset="0"/>
+                <a:cs typeface="Arial" panose="020B0604020202020204" pitchFamily="34" charset="0"/>
+              </a:rPr>
+              <a:t>La multidifusión de Capa 2 es más común en las redes de cliente que la multidifusión de Capa 3, ya que suele ser más fácil de implementar. La replicación a diferentes VTEP en la misma subred se realiza en la red física. </a:t>
+            </a:r>
+          </a:p>
+        </p:txBody>
+      </p:sp>
+    </p:spTree>
+    <p:extLst>
+      <p:ext uri="{BB962C8B-B14F-4D97-AF65-F5344CB8AC3E}">
+        <p14:creationId xmlns:p14="http://schemas.microsoft.com/office/powerpoint/2010/main" val="2614157971"/>
       </p:ext>
     </p:extLst>
   </p:cSld>
@@ -9989,6 +12564,15 @@
 </file>
 
 <file path=customXml/item1.xml><?xml version="1.0" encoding="utf-8"?>
+<p:properties xmlns:p="http://schemas.microsoft.com/office/2006/metadata/properties" xmlns:xsi="http://www.w3.org/2001/XMLSchema-instance" xmlns:pc="http://schemas.microsoft.com/office/infopath/2007/PartnerControls">
+  <documentManagement>
+    <_Version xmlns="http://schemas.microsoft.com/sharepoint/v3/fields" xsi:nil="true"/>
+    <_Status xmlns="http://schemas.microsoft.com/sharepoint/v3/fields">Not Started</_Status>
+  </documentManagement>
+</p:properties>
+</file>
+
+<file path=customXml/item2.xml><?xml version="1.0" encoding="utf-8"?>
 <ct:contentTypeSchema xmlns:ct="http://schemas.microsoft.com/office/2006/metadata/contentType" xmlns:ma="http://schemas.microsoft.com/office/2006/metadata/properties/metaAttributes" ct:_="" ma:_="" ma:contentTypeName="Document" ma:contentTypeID="0x0101000DE64AEEDD9B7A4D93545ACBE97D4615" ma:contentTypeVersion="2" ma:contentTypeDescription="Create a new document." ma:contentTypeScope="" ma:versionID="f49002b78e3a4a71b814eef46a983816">
   <xsd:schema xmlns:xsd="http://www.w3.org/2001/XMLSchema" xmlns:xs="http://www.w3.org/2001/XMLSchema" xmlns:p="http://schemas.microsoft.com/office/2006/metadata/properties" xmlns:ns2="http://schemas.microsoft.com/sharepoint/v3/fields" targetNamespace="http://schemas.microsoft.com/office/2006/metadata/properties" ma:root="true" ma:fieldsID="38f6db2dd0d9a0cf6a8dc37be32b365b" ns2:_="">
     <xsd:import namespace="http://schemas.microsoft.com/sharepoint/v3/fields"/>
@@ -10132,15 +12716,6 @@
 </ct:contentTypeSchema>
 </file>
 
-<file path=customXml/item2.xml><?xml version="1.0" encoding="utf-8"?>
-<p:properties xmlns:p="http://schemas.microsoft.com/office/2006/metadata/properties" xmlns:xsi="http://www.w3.org/2001/XMLSchema-instance" xmlns:pc="http://schemas.microsoft.com/office/infopath/2007/PartnerControls">
-  <documentManagement>
-    <_Version xmlns="http://schemas.microsoft.com/sharepoint/v3/fields" xsi:nil="true"/>
-    <_Status xmlns="http://schemas.microsoft.com/sharepoint/v3/fields">Not Started</_Status>
-  </documentManagement>
-</p:properties>
-</file>
-
 <file path=customXml/item3.xml><?xml version="1.0" encoding="utf-8"?>
 <?mso-contentType ?>
 <FormTemplates xmlns="http://schemas.microsoft.com/sharepoint/v3/contenttype/forms">
@@ -10151,6 +12726,22 @@
 </file>
 
 <file path=customXml/itemProps1.xml><?xml version="1.0" encoding="utf-8"?>
+<ds:datastoreItem xmlns:ds="http://schemas.openxmlformats.org/officeDocument/2006/customXml" ds:itemID="{7B6F2769-7194-4217-93D3-3AF3A4742282}">
+  <ds:schemaRefs>
+    <ds:schemaRef ds:uri="http://schemas.openxmlformats.org/package/2006/metadata/core-properties"/>
+    <ds:schemaRef ds:uri="http://schemas.microsoft.com/office/2006/documentManagement/types"/>
+    <ds:schemaRef ds:uri="http://schemas.microsoft.com/office/infopath/2007/PartnerControls"/>
+    <ds:schemaRef ds:uri="http://purl.org/dc/elements/1.1/"/>
+    <ds:schemaRef ds:uri="http://schemas.microsoft.com/office/2006/metadata/properties"/>
+    <ds:schemaRef ds:uri="http://purl.org/dc/terms/"/>
+    <ds:schemaRef ds:uri="http://schemas.microsoft.com/sharepoint/v3/fields"/>
+    <ds:schemaRef ds:uri="http://www.w3.org/XML/1998/namespace"/>
+    <ds:schemaRef ds:uri="http://purl.org/dc/dcmitype/"/>
+  </ds:schemaRefs>
+</ds:datastoreItem>
+</file>
+
+<file path=customXml/itemProps2.xml><?xml version="1.0" encoding="utf-8"?>
 <ds:datastoreItem xmlns:ds="http://schemas.openxmlformats.org/officeDocument/2006/customXml" ds:itemID="{E4214858-785C-42F7-BE66-6D0E79395FC8}">
   <ds:schemaRefs>
     <ds:schemaRef ds:uri="http://schemas.microsoft.com/office/2006/metadata/contentType"/>
@@ -10168,22 +12759,6 @@
 </ds:datastoreItem>
 </file>
 
-<file path=customXml/itemProps2.xml><?xml version="1.0" encoding="utf-8"?>
-<ds:datastoreItem xmlns:ds="http://schemas.openxmlformats.org/officeDocument/2006/customXml" ds:itemID="{7B6F2769-7194-4217-93D3-3AF3A4742282}">
-  <ds:schemaRefs>
-    <ds:schemaRef ds:uri="http://schemas.openxmlformats.org/package/2006/metadata/core-properties"/>
-    <ds:schemaRef ds:uri="http://schemas.microsoft.com/office/2006/documentManagement/types"/>
-    <ds:schemaRef ds:uri="http://schemas.microsoft.com/office/infopath/2007/PartnerControls"/>
-    <ds:schemaRef ds:uri="http://purl.org/dc/elements/1.1/"/>
-    <ds:schemaRef ds:uri="http://schemas.microsoft.com/office/2006/metadata/properties"/>
-    <ds:schemaRef ds:uri="http://purl.org/dc/terms/"/>
-    <ds:schemaRef ds:uri="http://schemas.microsoft.com/sharepoint/v3/fields"/>
-    <ds:schemaRef ds:uri="http://www.w3.org/XML/1998/namespace"/>
-    <ds:schemaRef ds:uri="http://purl.org/dc/dcmitype/"/>
-  </ds:schemaRefs>
-</ds:datastoreItem>
-</file>
-
 <file path=customXml/itemProps3.xml><?xml version="1.0" encoding="utf-8"?>
 <ds:datastoreItem xmlns:ds="http://schemas.openxmlformats.org/officeDocument/2006/customXml" ds:itemID="{87D2A1B0-FF3E-4009-940D-AED0EB70AA20}">
   <ds:schemaRefs>
